--- a/template-bible.pptx
+++ b/template-bible.pptx
@@ -2,34 +2,36 @@
 <file path=ppt/presentation.xml><?xml version="1.0" encoding="utf-8"?>
 <p:presentation xmlns:a="http://schemas.openxmlformats.org/drawingml/2006/main" xmlns:r="http://schemas.openxmlformats.org/officeDocument/2006/relationships" xmlns:p="http://schemas.openxmlformats.org/presentationml/2006/main" strictFirstAndLastChars="0" embedTrueTypeFonts="1" saveSubsetFonts="1" autoCompressPictures="0">
   <p:sldMasterIdLst>
-    <p:sldMasterId id="2147483694" r:id="rId1"/>
+    <p:sldMasterId id="2147483705" r:id="rId1"/>
+    <p:sldMasterId id="2147483699" r:id="rId2"/>
+    <p:sldMasterId id="2147483701" r:id="rId3"/>
   </p:sldMasterIdLst>
   <p:notesMasterIdLst>
-    <p:notesMasterId r:id="rId3"/>
+    <p:notesMasterId r:id="rId5"/>
   </p:notesMasterIdLst>
   <p:sldIdLst>
-    <p:sldId id="262" r:id="rId2"/>
+    <p:sldId id="262" r:id="rId4"/>
   </p:sldIdLst>
   <p:sldSz cx="9144000" cy="5143500" type="screen16x9"/>
   <p:notesSz cx="6950075" cy="9236075"/>
   <p:embeddedFontLst>
     <p:embeddedFont>
       <p:font typeface="Arial Narrow" panose="020B0606020202030204" pitchFamily="34" charset="0"/>
-      <p:regular r:id="rId4"/>
-      <p:bold r:id="rId5"/>
-      <p:italic r:id="rId6"/>
-      <p:boldItalic r:id="rId7"/>
+      <p:regular r:id="rId6"/>
+      <p:bold r:id="rId7"/>
+      <p:italic r:id="rId8"/>
+      <p:boldItalic r:id="rId9"/>
     </p:embeddedFont>
     <p:embeddedFont>
       <p:font typeface="STKaiti" panose="02010600040101010101" pitchFamily="2" charset="-122"/>
-      <p:regular r:id="rId8"/>
+      <p:regular r:id="rId10"/>
     </p:embeddedFont>
     <p:embeddedFont>
       <p:font typeface="Calibri" panose="020F0502020204030204" pitchFamily="34" charset="0"/>
-      <p:regular r:id="rId9"/>
-      <p:bold r:id="rId10"/>
-      <p:italic r:id="rId11"/>
-      <p:boldItalic r:id="rId12"/>
+      <p:regular r:id="rId11"/>
+      <p:bold r:id="rId12"/>
+      <p:italic r:id="rId13"/>
+      <p:boldItalic r:id="rId14"/>
     </p:embeddedFont>
   </p:embeddedFontLst>
   <p:defaultTextStyle>
@@ -1479,8 +1481,8 @@
 </file>
 
 <file path=ppt/slideLayouts/slideLayout1.xml><?xml version="1.0" encoding="utf-8"?>
-<p:sldLayout xmlns:a="http://schemas.openxmlformats.org/drawingml/2006/main" xmlns:r="http://schemas.openxmlformats.org/officeDocument/2006/relationships" xmlns:p="http://schemas.openxmlformats.org/presentationml/2006/main" preserve="1" userDrawn="1">
-  <p:cSld name="title">
+<p:sldLayout xmlns:a="http://schemas.openxmlformats.org/drawingml/2006/main" xmlns:r="http://schemas.openxmlformats.org/officeDocument/2006/relationships" xmlns:p="http://schemas.openxmlformats.org/presentationml/2006/main" type="title" preserve="1">
+  <p:cSld name="Title Slide">
     <p:spTree>
       <p:nvGrpSpPr>
         <p:cNvPr id="1" name=""/>
@@ -1502,29 +1504,117 @@
             <a:spLocks noGrp="1"/>
           </p:cNvSpPr>
           <p:nvPr>
-            <p:ph type="title" hasCustomPrompt="1"/>
+            <p:ph type="ctrTitle" hasCustomPrompt="1"/>
           </p:nvPr>
         </p:nvSpPr>
         <p:spPr>
           <a:xfrm>
-            <a:off x="457800" y="1345158"/>
-            <a:ext cx="8229600" cy="857400"/>
+            <a:off x="0" y="2179530"/>
+            <a:ext cx="9144000" cy="2963970"/>
           </a:xfrm>
+          <a:noFill/>
+          <a:ln>
+            <a:noFill/>
+          </a:ln>
         </p:spPr>
         <p:txBody>
-          <a:bodyPr/>
+          <a:bodyPr spcFirstLastPara="1" wrap="square" lIns="91425" tIns="45700" rIns="91425" bIns="45700" anchor="t" anchorCtr="0">
+            <a:noAutofit/>
+          </a:bodyPr>
           <a:lstStyle>
             <a:lvl1pPr>
-              <a:defRPr sz="6000" b="1">
-                <a:solidFill>
-                  <a:schemeClr val="bg1"/>
-                </a:solidFill>
-                <a:latin typeface="STKaiti" pitchFamily="2" charset="-122"/>
-                <a:ea typeface="STKaiti" pitchFamily="2" charset="-122"/>
+              <a:defRPr lang="en-US" sz="5400" dirty="0">
+                <a:latin typeface="Arial Narrow" panose="020B0606020202030204" pitchFamily="34" charset="0"/>
               </a:defRPr>
             </a:lvl1pPr>
           </a:lstStyle>
           <a:p>
+            <a:pPr marL="0" marR="0" lvl="0" indent="0" algn="ctr">
+              <a:lnSpc>
+                <a:spcPct val="100000"/>
+              </a:lnSpc>
+              <a:spcBef>
+                <a:spcPts val="0"/>
+              </a:spcBef>
+              <a:spcAft>
+                <a:spcPts val="0"/>
+              </a:spcAft>
+              <a:buClr>
+                <a:schemeClr val="dk1"/>
+              </a:buClr>
+              <a:buSzPts val="3200"/>
+              <a:buFont typeface="Arial"/>
+            </a:pPr>
+            <a:r>
+              <a:rPr lang="en-US" dirty="0" smtClean="0"/>
+              <a:t>{</a:t>
+            </a:r>
+            <a:r>
+              <a:rPr lang="en-US" dirty="0" err="1" smtClean="0"/>
+              <a:t>title_niv</a:t>
+            </a:r>
+            <a:r>
+              <a:rPr lang="en-US" dirty="0" smtClean="0"/>
+              <a:t>}</a:t>
+            </a:r>
+            <a:br>
+              <a:rPr lang="en-US" dirty="0" smtClean="0"/>
+            </a:br>
+            <a:r>
+              <a:rPr lang="en-US" dirty="0" smtClean="0"/>
+              <a:t>{range}</a:t>
+            </a:r>
+            <a:endParaRPr lang="en-US" dirty="0"/>
+          </a:p>
+        </p:txBody>
+      </p:sp>
+      <p:sp>
+        <p:nvSpPr>
+          <p:cNvPr id="3" name="Subtitle 2"/>
+          <p:cNvSpPr>
+            <a:spLocks noGrp="1"/>
+          </p:cNvSpPr>
+          <p:nvPr>
+            <p:ph type="subTitle" idx="1" hasCustomPrompt="1"/>
+          </p:nvPr>
+        </p:nvSpPr>
+        <p:spPr>
+          <a:xfrm>
+            <a:off x="91440" y="2"/>
+            <a:ext cx="8961120" cy="2179527"/>
+          </a:xfrm>
+          <a:noFill/>
+          <a:ln>
+            <a:noFill/>
+          </a:ln>
+        </p:spPr>
+        <p:txBody>
+          <a:bodyPr spcFirstLastPara="1" wrap="square" lIns="91425" tIns="45700" rIns="91425" bIns="45700" anchor="b" anchorCtr="0">
+            <a:noAutofit/>
+          </a:bodyPr>
+          <a:lstStyle>
+            <a:lvl1pPr>
+              <a:defRPr lang="en-US"/>
+            </a:lvl1pPr>
+          </a:lstStyle>
+          <a:p>
+            <a:pPr marR="0" lvl="0" algn="ctr">
+              <a:lnSpc>
+                <a:spcPct val="100000"/>
+              </a:lnSpc>
+              <a:spcBef>
+                <a:spcPts val="0"/>
+              </a:spcBef>
+              <a:spcAft>
+                <a:spcPts val="0"/>
+              </a:spcAft>
+              <a:buClr>
+                <a:srgbClr val="000000"/>
+              </a:buClr>
+              <a:buSzPts val="1400"/>
+              <a:buFont typeface="Arial"/>
+              <a:buNone/>
+            </a:pPr>
             <a:r>
               <a:rPr lang="en-US" dirty="0" smtClean="0"/>
               <a:t>{</a:t>
@@ -1541,67 +1631,10 @@
           </a:p>
         </p:txBody>
       </p:sp>
-      <p:sp>
-        <p:nvSpPr>
-          <p:cNvPr id="8" name="Text Placeholder 7"/>
-          <p:cNvSpPr>
-            <a:spLocks noGrp="1"/>
-          </p:cNvSpPr>
-          <p:nvPr>
-            <p:ph type="body" sz="quarter" idx="10" hasCustomPrompt="1"/>
-          </p:nvPr>
-        </p:nvSpPr>
-        <p:spPr>
-          <a:xfrm>
-            <a:off x="457199" y="2207709"/>
-            <a:ext cx="8221185" cy="1734563"/>
-          </a:xfrm>
-        </p:spPr>
-        <p:txBody>
-          <a:bodyPr/>
-          <a:lstStyle>
-            <a:lvl1pPr marL="0" indent="0" algn="ctr">
-              <a:spcBef>
-                <a:spcPts val="0"/>
-              </a:spcBef>
-              <a:buNone/>
-              <a:defRPr sz="5400" b="1" baseline="0">
-                <a:solidFill>
-                  <a:schemeClr val="bg1"/>
-                </a:solidFill>
-                <a:latin typeface="Arial Narrow" pitchFamily="34" charset="0"/>
-              </a:defRPr>
-            </a:lvl1pPr>
-          </a:lstStyle>
-          <a:p>
-            <a:pPr lvl="0"/>
-            <a:r>
-              <a:rPr lang="en-US" dirty="0" smtClean="0"/>
-              <a:t>{</a:t>
-            </a:r>
-            <a:r>
-              <a:rPr lang="en-US" dirty="0" err="1" smtClean="0"/>
-              <a:t>title_niv</a:t>
-            </a:r>
-            <a:r>
-              <a:rPr lang="en-US" dirty="0" smtClean="0"/>
-              <a:t>}</a:t>
-            </a:r>
-          </a:p>
-          <a:p>
-            <a:pPr lvl="0"/>
-            <a:r>
-              <a:rPr lang="en-US" dirty="0" smtClean="0"/>
-              <a:t>{range}</a:t>
-            </a:r>
-            <a:endParaRPr lang="en-US" dirty="0"/>
-          </a:p>
-        </p:txBody>
-      </p:sp>
     </p:spTree>
     <p:extLst>
       <p:ext uri="{BB962C8B-B14F-4D97-AF65-F5344CB8AC3E}">
-        <p14:creationId xmlns:p14="http://schemas.microsoft.com/office/powerpoint/2010/main" val="1685458038"/>
+        <p14:creationId xmlns:p14="http://schemas.microsoft.com/office/powerpoint/2010/main" val="1707695800"/>
       </p:ext>
     </p:extLst>
   </p:cSld>
@@ -1612,8 +1645,8 @@
 </file>
 
 <file path=ppt/slideLayouts/slideLayout2.xml><?xml version="1.0" encoding="utf-8"?>
-<p:sldLayout xmlns:a="http://schemas.openxmlformats.org/drawingml/2006/main" xmlns:r="http://schemas.openxmlformats.org/officeDocument/2006/relationships" xmlns:p="http://schemas.openxmlformats.org/presentationml/2006/main" preserve="1" userDrawn="1">
-  <p:cSld name="verse_cuv">
+<p:sldLayout xmlns:a="http://schemas.openxmlformats.org/drawingml/2006/main" xmlns:r="http://schemas.openxmlformats.org/officeDocument/2006/relationships" xmlns:p="http://schemas.openxmlformats.org/presentationml/2006/main" type="title" preserve="1">
+  <p:cSld name="Title Slide">
     <p:spTree>
       <p:nvGrpSpPr>
         <p:cNvPr id="1" name=""/>
@@ -1635,29 +1668,100 @@
             <a:spLocks noGrp="1"/>
           </p:cNvSpPr>
           <p:nvPr>
-            <p:ph type="title" hasCustomPrompt="1"/>
+            <p:ph type="ctrTitle" hasCustomPrompt="1"/>
           </p:nvPr>
         </p:nvSpPr>
         <p:spPr>
           <a:xfrm>
-            <a:off x="0" y="0"/>
-            <a:ext cx="9144000" cy="4934309"/>
+            <a:off x="0" y="4925290"/>
+            <a:ext cx="9144000" cy="218209"/>
           </a:xfrm>
+          <a:noFill/>
+          <a:ln>
+            <a:noFill/>
+          </a:ln>
         </p:spPr>
         <p:txBody>
-          <a:bodyPr/>
+          <a:bodyPr spcFirstLastPara="1" wrap="square" lIns="91425" tIns="45700" rIns="91425" bIns="45700" anchor="t" anchorCtr="0">
+            <a:noAutofit/>
+          </a:bodyPr>
           <a:lstStyle>
             <a:lvl1pPr>
-              <a:defRPr sz="6000" b="1">
-                <a:solidFill>
-                  <a:schemeClr val="bg1"/>
-                </a:solidFill>
-                <a:latin typeface="STKaiti" pitchFamily="2" charset="-122"/>
-                <a:ea typeface="STKaiti" pitchFamily="2" charset="-122"/>
-              </a:defRPr>
+              <a:defRPr lang="en-US" dirty="0"/>
             </a:lvl1pPr>
           </a:lstStyle>
           <a:p>
+            <a:pPr marL="0" marR="0" lvl="0" indent="0" algn="ctr">
+              <a:lnSpc>
+                <a:spcPct val="100000"/>
+              </a:lnSpc>
+              <a:spcBef>
+                <a:spcPts val="0"/>
+              </a:spcBef>
+              <a:spcAft>
+                <a:spcPts val="0"/>
+              </a:spcAft>
+              <a:buClr>
+                <a:schemeClr val="dk1"/>
+              </a:buClr>
+              <a:buSzPts val="3200"/>
+              <a:buFont typeface="Arial"/>
+            </a:pPr>
+            <a:r>
+              <a:rPr lang="en-US" dirty="0" smtClean="0"/>
+              <a:t>{title}</a:t>
+            </a:r>
+            <a:endParaRPr lang="en-US" dirty="0"/>
+          </a:p>
+        </p:txBody>
+      </p:sp>
+      <p:sp>
+        <p:nvSpPr>
+          <p:cNvPr id="3" name="Subtitle 2"/>
+          <p:cNvSpPr>
+            <a:spLocks noGrp="1"/>
+          </p:cNvSpPr>
+          <p:nvPr>
+            <p:ph type="subTitle" idx="1" hasCustomPrompt="1"/>
+          </p:nvPr>
+        </p:nvSpPr>
+        <p:spPr>
+          <a:xfrm>
+            <a:off x="91440" y="1"/>
+            <a:ext cx="8961120" cy="4925289"/>
+          </a:xfrm>
+          <a:noFill/>
+          <a:ln>
+            <a:noFill/>
+          </a:ln>
+        </p:spPr>
+        <p:txBody>
+          <a:bodyPr spcFirstLastPara="1" wrap="square" lIns="91425" tIns="45700" rIns="91425" bIns="45700" anchor="ctr" anchorCtr="0">
+            <a:noAutofit/>
+          </a:bodyPr>
+          <a:lstStyle>
+            <a:lvl1pPr>
+              <a:defRPr lang="en-US"/>
+            </a:lvl1pPr>
+          </a:lstStyle>
+          <a:p>
+            <a:pPr marR="0" lvl="0" algn="ctr">
+              <a:lnSpc>
+                <a:spcPct val="100000"/>
+              </a:lnSpc>
+              <a:spcBef>
+                <a:spcPts val="0"/>
+              </a:spcBef>
+              <a:spcAft>
+                <a:spcPts val="0"/>
+              </a:spcAft>
+              <a:buClr>
+                <a:srgbClr val="000000"/>
+              </a:buClr>
+              <a:buSzPts val="1400"/>
+              <a:buFont typeface="Arial"/>
+              <a:buNone/>
+            </a:pPr>
             <a:r>
               <a:rPr lang="en-US" dirty="0" smtClean="0"/>
               <a:t>{verse}</a:t>
@@ -1666,53 +1770,10 @@
           </a:p>
         </p:txBody>
       </p:sp>
-      <p:sp>
-        <p:nvSpPr>
-          <p:cNvPr id="4" name="Text Placeholder 3"/>
-          <p:cNvSpPr>
-            <a:spLocks noGrp="1"/>
-          </p:cNvSpPr>
-          <p:nvPr>
-            <p:ph type="body" sz="quarter" idx="11" hasCustomPrompt="1"/>
-          </p:nvPr>
-        </p:nvSpPr>
-        <p:spPr>
-          <a:xfrm>
-            <a:off x="0" y="4926013"/>
-            <a:ext cx="9143999" cy="217487"/>
-          </a:xfrm>
-        </p:spPr>
-        <p:txBody>
-          <a:bodyPr/>
-          <a:lstStyle>
-            <a:lvl1pPr marL="0" indent="0" algn="ctr">
-              <a:spcBef>
-                <a:spcPts val="0"/>
-              </a:spcBef>
-              <a:buNone/>
-              <a:defRPr sz="1200" b="1">
-                <a:solidFill>
-                  <a:schemeClr val="bg1"/>
-                </a:solidFill>
-                <a:latin typeface="STKaiti" pitchFamily="2" charset="-122"/>
-                <a:ea typeface="STKaiti" pitchFamily="2" charset="-122"/>
-              </a:defRPr>
-            </a:lvl1pPr>
-          </a:lstStyle>
-          <a:p>
-            <a:pPr lvl="0"/>
-            <a:r>
-              <a:rPr lang="en-US" dirty="0" smtClean="0"/>
-              <a:t>{title}</a:t>
-            </a:r>
-            <a:endParaRPr lang="en-US" dirty="0"/>
-          </a:p>
-        </p:txBody>
-      </p:sp>
     </p:spTree>
     <p:extLst>
       <p:ext uri="{BB962C8B-B14F-4D97-AF65-F5344CB8AC3E}">
-        <p14:creationId xmlns:p14="http://schemas.microsoft.com/office/powerpoint/2010/main" val="3629580044"/>
+        <p14:creationId xmlns:p14="http://schemas.microsoft.com/office/powerpoint/2010/main" val="2415419754"/>
       </p:ext>
     </p:extLst>
   </p:cSld>
@@ -1723,8 +1784,8 @@
 </file>
 
 <file path=ppt/slideLayouts/slideLayout3.xml><?xml version="1.0" encoding="utf-8"?>
-<p:sldLayout xmlns:a="http://schemas.openxmlformats.org/drawingml/2006/main" xmlns:r="http://schemas.openxmlformats.org/officeDocument/2006/relationships" xmlns:p="http://schemas.openxmlformats.org/presentationml/2006/main" preserve="1" userDrawn="1">
-  <p:cSld name="verse_niv">
+<p:sldLayout xmlns:a="http://schemas.openxmlformats.org/drawingml/2006/main" xmlns:r="http://schemas.openxmlformats.org/officeDocument/2006/relationships" xmlns:p="http://schemas.openxmlformats.org/presentationml/2006/main" type="title" preserve="1">
+  <p:cSld name="Title Slide">
     <p:spTree>
       <p:nvGrpSpPr>
         <p:cNvPr id="1" name=""/>
@@ -1741,38 +1802,105 @@
       </p:grpSpPr>
       <p:sp>
         <p:nvSpPr>
-          <p:cNvPr id="8" name="Text Placeholder 7"/>
+          <p:cNvPr id="2" name="Title 1"/>
           <p:cNvSpPr>
             <a:spLocks noGrp="1"/>
           </p:cNvSpPr>
           <p:nvPr>
-            <p:ph type="body" sz="quarter" idx="10" hasCustomPrompt="1"/>
+            <p:ph type="ctrTitle" hasCustomPrompt="1"/>
           </p:nvPr>
         </p:nvSpPr>
         <p:spPr>
           <a:xfrm>
-            <a:off x="0" y="0"/>
-            <a:ext cx="9144000" cy="4925683"/>
+            <a:off x="0" y="4925290"/>
+            <a:ext cx="9144000" cy="218209"/>
           </a:xfrm>
+          <a:noFill/>
+          <a:ln>
+            <a:noFill/>
+          </a:ln>
         </p:spPr>
         <p:txBody>
-          <a:bodyPr anchor="ctr"/>
+          <a:bodyPr spcFirstLastPara="1" wrap="square" lIns="91425" tIns="45700" rIns="91425" bIns="45700" anchor="t" anchorCtr="0">
+            <a:noAutofit/>
+          </a:bodyPr>
           <a:lstStyle>
-            <a:lvl1pPr marL="0" indent="0" algn="ctr">
-              <a:spcBef>
-                <a:spcPts val="0"/>
-              </a:spcBef>
-              <a:buNone/>
-              <a:defRPr sz="5200" b="1" baseline="0">
-                <a:solidFill>
-                  <a:srgbClr val="FFFF99"/>
-                </a:solidFill>
-                <a:latin typeface="Arial Narrow" pitchFamily="34" charset="0"/>
-              </a:defRPr>
+            <a:lvl1pPr>
+              <a:defRPr lang="en-US" dirty="0"/>
             </a:lvl1pPr>
           </a:lstStyle>
           <a:p>
-            <a:pPr lvl="0"/>
+            <a:pPr marL="0" marR="0" lvl="0" indent="0" algn="ctr">
+              <a:lnSpc>
+                <a:spcPct val="100000"/>
+              </a:lnSpc>
+              <a:spcBef>
+                <a:spcPts val="0"/>
+              </a:spcBef>
+              <a:spcAft>
+                <a:spcPts val="0"/>
+              </a:spcAft>
+              <a:buClr>
+                <a:schemeClr val="dk1"/>
+              </a:buClr>
+              <a:buSzPts val="3200"/>
+              <a:buFont typeface="Arial"/>
+            </a:pPr>
+            <a:r>
+              <a:rPr lang="en-US" dirty="0" smtClean="0"/>
+              <a:t>{title}</a:t>
+            </a:r>
+            <a:endParaRPr lang="en-US" dirty="0"/>
+          </a:p>
+        </p:txBody>
+      </p:sp>
+      <p:sp>
+        <p:nvSpPr>
+          <p:cNvPr id="3" name="Subtitle 2"/>
+          <p:cNvSpPr>
+            <a:spLocks noGrp="1"/>
+          </p:cNvSpPr>
+          <p:nvPr>
+            <p:ph type="subTitle" idx="1" hasCustomPrompt="1"/>
+          </p:nvPr>
+        </p:nvSpPr>
+        <p:spPr>
+          <a:xfrm>
+            <a:off x="91440" y="1"/>
+            <a:ext cx="8961120" cy="4925289"/>
+          </a:xfrm>
+          <a:noFill/>
+          <a:ln>
+            <a:noFill/>
+          </a:ln>
+        </p:spPr>
+        <p:txBody>
+          <a:bodyPr spcFirstLastPara="1" wrap="square" lIns="91425" tIns="45700" rIns="91425" bIns="45700" anchor="ctr" anchorCtr="0">
+            <a:noAutofit/>
+          </a:bodyPr>
+          <a:lstStyle>
+            <a:lvl1pPr>
+              <a:defRPr lang="en-US" sz="5200"/>
+            </a:lvl1pPr>
+          </a:lstStyle>
+          <a:p>
+            <a:pPr marR="0" lvl="0" algn="ctr">
+              <a:lnSpc>
+                <a:spcPct val="100000"/>
+              </a:lnSpc>
+              <a:spcBef>
+                <a:spcPts val="0"/>
+              </a:spcBef>
+              <a:spcAft>
+                <a:spcPts val="0"/>
+              </a:spcAft>
+              <a:buClr>
+                <a:srgbClr val="000000"/>
+              </a:buClr>
+              <a:buSzPts val="1400"/>
+              <a:buFont typeface="Arial"/>
+              <a:buNone/>
+            </a:pPr>
             <a:r>
               <a:rPr lang="en-US" dirty="0" smtClean="0"/>
               <a:t>{verse}</a:t>
@@ -1781,53 +1909,10 @@
           </a:p>
         </p:txBody>
       </p:sp>
-      <p:sp>
-        <p:nvSpPr>
-          <p:cNvPr id="7" name="Text Placeholder 3"/>
-          <p:cNvSpPr>
-            <a:spLocks noGrp="1"/>
-          </p:cNvSpPr>
-          <p:nvPr>
-            <p:ph type="body" sz="quarter" idx="12" hasCustomPrompt="1"/>
-          </p:nvPr>
-        </p:nvSpPr>
-        <p:spPr>
-          <a:xfrm>
-            <a:off x="1" y="4926013"/>
-            <a:ext cx="9144000" cy="217487"/>
-          </a:xfrm>
-        </p:spPr>
-        <p:txBody>
-          <a:bodyPr/>
-          <a:lstStyle>
-            <a:lvl1pPr marL="0" indent="0" algn="ctr">
-              <a:spcBef>
-                <a:spcPts val="0"/>
-              </a:spcBef>
-              <a:buNone/>
-              <a:defRPr sz="1200" b="1">
-                <a:solidFill>
-                  <a:srgbClr val="FFFF99"/>
-                </a:solidFill>
-                <a:latin typeface="Arial Narrow" pitchFamily="34" charset="0"/>
-                <a:ea typeface="STKaiti" pitchFamily="2" charset="-122"/>
-              </a:defRPr>
-            </a:lvl1pPr>
-          </a:lstStyle>
-          <a:p>
-            <a:pPr lvl="0"/>
-            <a:r>
-              <a:rPr lang="en-US" dirty="0" smtClean="0"/>
-              <a:t>{title}</a:t>
-            </a:r>
-            <a:endParaRPr lang="en-US" dirty="0"/>
-          </a:p>
-        </p:txBody>
-      </p:sp>
     </p:spTree>
     <p:extLst>
       <p:ext uri="{BB962C8B-B14F-4D97-AF65-F5344CB8AC3E}">
-        <p14:creationId xmlns:p14="http://schemas.microsoft.com/office/powerpoint/2010/main" val="1176269132"/>
+        <p14:creationId xmlns:p14="http://schemas.microsoft.com/office/powerpoint/2010/main" val="2329178556"/>
       </p:ext>
     </p:extLst>
   </p:cSld>
@@ -1838,7 +1923,7 @@
 </file>
 
 <file path=ppt/slideMasters/slideMaster1.xml><?xml version="1.0" encoding="utf-8"?>
-<p:sldMaster xmlns:a="http://schemas.openxmlformats.org/drawingml/2006/main" xmlns:r="http://schemas.openxmlformats.org/officeDocument/2006/relationships" xmlns:p="http://schemas.openxmlformats.org/presentationml/2006/main">
+<p:sldMaster xmlns:a="http://schemas.openxmlformats.org/drawingml/2006/main" xmlns:r="http://schemas.openxmlformats.org/officeDocument/2006/relationships" xmlns:p="http://schemas.openxmlformats.org/presentationml/2006/main" preserve="1">
   <p:cSld>
     <p:bg>
       <p:bgPr>
@@ -1850,7 +1935,7 @@
     </p:bg>
     <p:spTree>
       <p:nvGrpSpPr>
-        <p:cNvPr id="1" name="Shape 159"/>
+        <p:cNvPr id="1" name=""/>
         <p:cNvGrpSpPr/>
         <p:nvPr/>
       </p:nvGrpSpPr>
@@ -1864,8 +1949,8 @@
       </p:grpSpPr>
       <p:sp>
         <p:nvSpPr>
-          <p:cNvPr id="160" name="Google Shape;160;p25"/>
-          <p:cNvSpPr txBox="1">
+          <p:cNvPr id="2" name="Title Placeholder 1"/>
+          <p:cNvSpPr>
             <a:spLocks noGrp="1"/>
           </p:cNvSpPr>
           <p:nvPr>
@@ -1874,8 +1959,61 @@
         </p:nvSpPr>
         <p:spPr>
           <a:xfrm>
-            <a:off x="457200" y="206375"/>
-            <a:ext cx="8229600" cy="857400"/>
+            <a:off x="628650" y="274638"/>
+            <a:ext cx="7886700" cy="993775"/>
+          </a:xfrm>
+          <a:prstGeom prst="rect">
+            <a:avLst/>
+          </a:prstGeom>
+          <a:noFill/>
+          <a:ln>
+            <a:noFill/>
+          </a:ln>
+        </p:spPr>
+        <p:txBody>
+          <a:bodyPr spcFirstLastPara="1" wrap="square" lIns="91425" tIns="45700" rIns="91425" bIns="45700" anchor="t" anchorCtr="0">
+            <a:noAutofit/>
+          </a:bodyPr>
+          <a:lstStyle/>
+          <a:p>
+            <a:pPr marL="0" marR="0" lvl="0" indent="0" algn="ctr">
+              <a:lnSpc>
+                <a:spcPct val="100000"/>
+              </a:lnSpc>
+              <a:spcBef>
+                <a:spcPts val="0"/>
+              </a:spcBef>
+              <a:spcAft>
+                <a:spcPts val="0"/>
+              </a:spcAft>
+              <a:buClr>
+                <a:schemeClr val="dk1"/>
+              </a:buClr>
+              <a:buSzPts val="3200"/>
+              <a:buFont typeface="Arial"/>
+            </a:pPr>
+            <a:r>
+              <a:rPr lang="en-US" smtClean="0"/>
+              <a:t>Click to edit Master title style</a:t>
+            </a:r>
+            <a:endParaRPr lang="en-US"/>
+          </a:p>
+        </p:txBody>
+      </p:sp>
+      <p:sp>
+        <p:nvSpPr>
+          <p:cNvPr id="3" name="Text Placeholder 2"/>
+          <p:cNvSpPr>
+            <a:spLocks noGrp="1"/>
+          </p:cNvSpPr>
+          <p:nvPr>
+            <p:ph type="body" idx="1"/>
+          </p:nvPr>
+        </p:nvSpPr>
+        <p:spPr>
+          <a:xfrm>
+            <a:off x="628650" y="1370013"/>
+            <a:ext cx="7886700" cy="3262312"/>
           </a:xfrm>
           <a:prstGeom prst="rect">
             <a:avLst/>
@@ -1889,198 +2027,371 @@
           <a:bodyPr spcFirstLastPara="1" wrap="square" lIns="91425" tIns="45700" rIns="91425" bIns="45700" anchor="ctr" anchorCtr="0">
             <a:noAutofit/>
           </a:bodyPr>
-          <a:lstStyle>
-            <a:lvl1pPr marR="0" lvl="0" algn="ctr" rtl="0">
-              <a:spcBef>
-                <a:spcPts val="0"/>
-              </a:spcBef>
-              <a:spcAft>
-                <a:spcPts val="0"/>
-              </a:spcAft>
+          <a:lstStyle/>
+          <a:p>
+            <a:pPr marR="0" lvl="0" algn="ctr">
+              <a:lnSpc>
+                <a:spcPct val="100000"/>
+              </a:lnSpc>
+              <a:spcBef>
+                <a:spcPts val="0"/>
+              </a:spcBef>
+              <a:spcAft>
+                <a:spcPts val="0"/>
+              </a:spcAft>
+              <a:buClr>
+                <a:srgbClr val="000000"/>
+              </a:buClr>
               <a:buSzPts val="1400"/>
+              <a:buFont typeface="Arial"/>
               <a:buNone/>
-              <a:defRPr sz="4400" b="0" i="0" u="none" strike="noStrike" cap="none">
-                <a:solidFill>
-                  <a:schemeClr val="dk1"/>
-                </a:solidFill>
-                <a:latin typeface="Calibri"/>
-                <a:ea typeface="Calibri"/>
-                <a:cs typeface="Calibri"/>
-                <a:sym typeface="Calibri"/>
-              </a:defRPr>
-            </a:lvl1pPr>
-            <a:lvl2pPr marR="0" lvl="1" algn="ctr" rtl="0">
-              <a:spcBef>
-                <a:spcPts val="0"/>
-              </a:spcBef>
-              <a:spcAft>
-                <a:spcPts val="0"/>
-              </a:spcAft>
-              <a:buSzPts val="1400"/>
-              <a:buNone/>
-              <a:defRPr sz="4400" b="0" i="0" u="none" strike="noStrike" cap="none">
-                <a:solidFill>
-                  <a:schemeClr val="dk1"/>
-                </a:solidFill>
-                <a:latin typeface="Calibri"/>
-                <a:ea typeface="Calibri"/>
-                <a:cs typeface="Calibri"/>
-                <a:sym typeface="Calibri"/>
-              </a:defRPr>
-            </a:lvl2pPr>
-            <a:lvl3pPr marR="0" lvl="2" algn="ctr" rtl="0">
-              <a:spcBef>
-                <a:spcPts val="0"/>
-              </a:spcBef>
-              <a:spcAft>
-                <a:spcPts val="0"/>
-              </a:spcAft>
-              <a:buSzPts val="1400"/>
-              <a:buNone/>
-              <a:defRPr sz="4400" b="0" i="0" u="none" strike="noStrike" cap="none">
-                <a:solidFill>
-                  <a:schemeClr val="dk1"/>
-                </a:solidFill>
-                <a:latin typeface="Calibri"/>
-                <a:ea typeface="Calibri"/>
-                <a:cs typeface="Calibri"/>
-                <a:sym typeface="Calibri"/>
-              </a:defRPr>
-            </a:lvl3pPr>
-            <a:lvl4pPr marR="0" lvl="3" algn="ctr" rtl="0">
-              <a:spcBef>
-                <a:spcPts val="0"/>
-              </a:spcBef>
-              <a:spcAft>
-                <a:spcPts val="0"/>
-              </a:spcAft>
-              <a:buSzPts val="1400"/>
-              <a:buNone/>
-              <a:defRPr sz="4400" b="0" i="0" u="none" strike="noStrike" cap="none">
-                <a:solidFill>
-                  <a:schemeClr val="dk1"/>
-                </a:solidFill>
-                <a:latin typeface="Calibri"/>
-                <a:ea typeface="Calibri"/>
-                <a:cs typeface="Calibri"/>
-                <a:sym typeface="Calibri"/>
-              </a:defRPr>
-            </a:lvl4pPr>
-            <a:lvl5pPr marR="0" lvl="4" algn="ctr" rtl="0">
-              <a:spcBef>
-                <a:spcPts val="0"/>
-              </a:spcBef>
-              <a:spcAft>
-                <a:spcPts val="0"/>
-              </a:spcAft>
-              <a:buSzPts val="1400"/>
-              <a:buNone/>
-              <a:defRPr sz="4400" b="0" i="0" u="none" strike="noStrike" cap="none">
-                <a:solidFill>
-                  <a:schemeClr val="dk1"/>
-                </a:solidFill>
-                <a:latin typeface="Calibri"/>
-                <a:ea typeface="Calibri"/>
-                <a:cs typeface="Calibri"/>
-                <a:sym typeface="Calibri"/>
-              </a:defRPr>
-            </a:lvl5pPr>
-            <a:lvl6pPr marR="0" lvl="5" algn="ctr" rtl="0">
-              <a:spcBef>
-                <a:spcPts val="0"/>
-              </a:spcBef>
-              <a:spcAft>
-                <a:spcPts val="0"/>
-              </a:spcAft>
-              <a:buSzPts val="1400"/>
-              <a:buNone/>
-              <a:defRPr sz="4400" b="0" i="0" u="none" strike="noStrike" cap="none">
-                <a:solidFill>
-                  <a:schemeClr val="dk1"/>
-                </a:solidFill>
-                <a:latin typeface="Calibri"/>
-                <a:ea typeface="Calibri"/>
-                <a:cs typeface="Calibri"/>
-                <a:sym typeface="Calibri"/>
-              </a:defRPr>
-            </a:lvl6pPr>
-            <a:lvl7pPr marR="0" lvl="6" algn="ctr" rtl="0">
-              <a:spcBef>
-                <a:spcPts val="0"/>
-              </a:spcBef>
-              <a:spcAft>
-                <a:spcPts val="0"/>
-              </a:spcAft>
-              <a:buSzPts val="1400"/>
-              <a:buNone/>
-              <a:defRPr sz="4400" b="0" i="0" u="none" strike="noStrike" cap="none">
-                <a:solidFill>
-                  <a:schemeClr val="dk1"/>
-                </a:solidFill>
-                <a:latin typeface="Calibri"/>
-                <a:ea typeface="Calibri"/>
-                <a:cs typeface="Calibri"/>
-                <a:sym typeface="Calibri"/>
-              </a:defRPr>
-            </a:lvl7pPr>
-            <a:lvl8pPr marR="0" lvl="7" algn="ctr" rtl="0">
-              <a:spcBef>
-                <a:spcPts val="0"/>
-              </a:spcBef>
-              <a:spcAft>
-                <a:spcPts val="0"/>
-              </a:spcAft>
-              <a:buSzPts val="1400"/>
-              <a:buNone/>
-              <a:defRPr sz="4400" b="0" i="0" u="none" strike="noStrike" cap="none">
-                <a:solidFill>
-                  <a:schemeClr val="dk1"/>
-                </a:solidFill>
-                <a:latin typeface="Calibri"/>
-                <a:ea typeface="Calibri"/>
-                <a:cs typeface="Calibri"/>
-                <a:sym typeface="Calibri"/>
-              </a:defRPr>
-            </a:lvl8pPr>
-            <a:lvl9pPr marR="0" lvl="8" algn="ctr" rtl="0">
-              <a:spcBef>
-                <a:spcPts val="0"/>
-              </a:spcBef>
-              <a:spcAft>
-                <a:spcPts val="0"/>
-              </a:spcAft>
-              <a:buSzPts val="1400"/>
-              <a:buNone/>
-              <a:defRPr sz="4400" b="0" i="0" u="none" strike="noStrike" cap="none">
-                <a:solidFill>
-                  <a:schemeClr val="dk1"/>
-                </a:solidFill>
-                <a:latin typeface="Calibri"/>
-                <a:ea typeface="Calibri"/>
-                <a:cs typeface="Calibri"/>
-                <a:sym typeface="Calibri"/>
-              </a:defRPr>
-            </a:lvl9pPr>
-          </a:lstStyle>
-          <a:p>
-            <a:endParaRPr/>
+            </a:pPr>
+            <a:r>
+              <a:rPr lang="en-US" dirty="0" smtClean="0"/>
+              <a:t>Edit Master text styles</a:t>
+            </a:r>
           </a:p>
         </p:txBody>
       </p:sp>
+    </p:spTree>
+    <p:extLst>
+      <p:ext uri="{BB962C8B-B14F-4D97-AF65-F5344CB8AC3E}">
+        <p14:creationId xmlns:p14="http://schemas.microsoft.com/office/powerpoint/2010/main" val="1932226885"/>
+      </p:ext>
+    </p:extLst>
+  </p:cSld>
+  <p:clrMap bg1="lt1" tx1="dk1" bg2="lt2" tx2="dk2" accent1="accent1" accent2="accent2" accent3="accent3" accent4="accent4" accent5="accent5" accent6="accent6" hlink="hlink" folHlink="folHlink"/>
+  <p:sldLayoutIdLst>
+    <p:sldLayoutId id="2147483706" r:id="rId1"/>
+  </p:sldLayoutIdLst>
+  <p:txStyles>
+    <p:titleStyle>
+      <a:lvl1pPr algn="l" defTabSz="914400" rtl="0" eaLnBrk="1" latinLnBrk="0" hangingPunct="1">
+        <a:lnSpc>
+          <a:spcPct val="90000"/>
+        </a:lnSpc>
+        <a:spcBef>
+          <a:spcPct val="0"/>
+        </a:spcBef>
+        <a:buNone/>
+        <a:defRPr lang="en-US" sz="1200" b="1" i="0" u="none" strike="noStrike" kern="1200" cap="none">
+          <a:solidFill>
+            <a:schemeClr val="bg1"/>
+          </a:solidFill>
+          <a:latin typeface="STKaiti" pitchFamily="2" charset="-122"/>
+          <a:ea typeface="STKaiti" pitchFamily="2" charset="-122"/>
+          <a:cs typeface="Calibri"/>
+          <a:sym typeface="Calibri"/>
+        </a:defRPr>
+      </a:lvl1pPr>
+    </p:titleStyle>
+    <p:bodyStyle>
+      <a:lvl1pPr marL="228600" indent="-228600" algn="l" defTabSz="914400" rtl="0" eaLnBrk="1" latinLnBrk="0" hangingPunct="1">
+        <a:lnSpc>
+          <a:spcPct val="90000"/>
+        </a:lnSpc>
+        <a:spcBef>
+          <a:spcPts val="1000"/>
+        </a:spcBef>
+        <a:buFont typeface="Arial" panose="020B0604020202020204" pitchFamily="34" charset="0"/>
+        <a:buChar char="•"/>
+        <a:defRPr lang="en-US" sz="6000" b="1" i="0" u="none" strike="noStrike" kern="1200" cap="none" smtClean="0">
+          <a:solidFill>
+            <a:schemeClr val="bg1"/>
+          </a:solidFill>
+          <a:latin typeface="STKaiti" pitchFamily="2" charset="-122"/>
+          <a:ea typeface="STKaiti" pitchFamily="2" charset="-122"/>
+          <a:cs typeface="Calibri"/>
+          <a:sym typeface="Calibri"/>
+        </a:defRPr>
+      </a:lvl1pPr>
+      <a:lvl2pPr marL="685800" indent="-228600" algn="l" defTabSz="914400" rtl="0" eaLnBrk="1" latinLnBrk="0" hangingPunct="1">
+        <a:lnSpc>
+          <a:spcPct val="90000"/>
+        </a:lnSpc>
+        <a:spcBef>
+          <a:spcPts val="500"/>
+        </a:spcBef>
+        <a:buFont typeface="Arial" panose="020B0604020202020204" pitchFamily="34" charset="0"/>
+        <a:buChar char="•"/>
+        <a:defRPr lang="en-US" sz="4400" b="0" i="0" u="none" strike="noStrike" kern="1200" cap="none" dirty="0" smtClean="0">
+          <a:solidFill>
+            <a:schemeClr val="dk1"/>
+          </a:solidFill>
+          <a:latin typeface="Calibri"/>
+          <a:ea typeface="+mn-ea"/>
+          <a:cs typeface="Calibri"/>
+          <a:sym typeface="Calibri"/>
+        </a:defRPr>
+      </a:lvl2pPr>
+      <a:lvl3pPr marL="1143000" indent="-228600" algn="l" defTabSz="914400" rtl="0" eaLnBrk="1" latinLnBrk="0" hangingPunct="1">
+        <a:lnSpc>
+          <a:spcPct val="90000"/>
+        </a:lnSpc>
+        <a:spcBef>
+          <a:spcPts val="500"/>
+        </a:spcBef>
+        <a:buFont typeface="Arial" panose="020B0604020202020204" pitchFamily="34" charset="0"/>
+        <a:buChar char="•"/>
+        <a:defRPr lang="en-US" sz="4400" b="0" i="0" u="none" strike="noStrike" kern="1200" cap="none" dirty="0" smtClean="0">
+          <a:solidFill>
+            <a:schemeClr val="dk1"/>
+          </a:solidFill>
+          <a:latin typeface="Calibri"/>
+          <a:ea typeface="+mn-ea"/>
+          <a:cs typeface="Calibri"/>
+          <a:sym typeface="Calibri"/>
+        </a:defRPr>
+      </a:lvl3pPr>
+      <a:lvl4pPr marL="1600200" indent="-228600" algn="l" defTabSz="914400" rtl="0" eaLnBrk="1" latinLnBrk="0" hangingPunct="1">
+        <a:lnSpc>
+          <a:spcPct val="90000"/>
+        </a:lnSpc>
+        <a:spcBef>
+          <a:spcPts val="500"/>
+        </a:spcBef>
+        <a:buFont typeface="Arial" panose="020B0604020202020204" pitchFamily="34" charset="0"/>
+        <a:buChar char="•"/>
+        <a:defRPr lang="en-US" sz="4400" b="0" i="0" u="none" strike="noStrike" kern="1200" cap="none" dirty="0" smtClean="0">
+          <a:solidFill>
+            <a:schemeClr val="dk1"/>
+          </a:solidFill>
+          <a:latin typeface="Calibri"/>
+          <a:ea typeface="+mn-ea"/>
+          <a:cs typeface="Calibri"/>
+          <a:sym typeface="Calibri"/>
+        </a:defRPr>
+      </a:lvl4pPr>
+      <a:lvl5pPr marL="2057400" indent="-228600" algn="l" defTabSz="914400" rtl="0" eaLnBrk="1" latinLnBrk="0" hangingPunct="1">
+        <a:lnSpc>
+          <a:spcPct val="90000"/>
+        </a:lnSpc>
+        <a:spcBef>
+          <a:spcPts val="500"/>
+        </a:spcBef>
+        <a:buFont typeface="Arial" panose="020B0604020202020204" pitchFamily="34" charset="0"/>
+        <a:buChar char="•"/>
+        <a:defRPr lang="en-US" sz="4400" b="0" i="0" u="none" strike="noStrike" kern="1200" cap="none" dirty="0">
+          <a:solidFill>
+            <a:schemeClr val="dk1"/>
+          </a:solidFill>
+          <a:latin typeface="Calibri"/>
+          <a:ea typeface="+mn-ea"/>
+          <a:cs typeface="Calibri"/>
+          <a:sym typeface="Calibri"/>
+        </a:defRPr>
+      </a:lvl5pPr>
+      <a:lvl6pPr marL="2514600" indent="-228600" algn="l" defTabSz="914400" rtl="0" eaLnBrk="1" latinLnBrk="0" hangingPunct="1">
+        <a:lnSpc>
+          <a:spcPct val="90000"/>
+        </a:lnSpc>
+        <a:spcBef>
+          <a:spcPts val="500"/>
+        </a:spcBef>
+        <a:buFont typeface="Arial" panose="020B0604020202020204" pitchFamily="34" charset="0"/>
+        <a:buChar char="•"/>
+        <a:defRPr sz="1800" kern="1200">
+          <a:solidFill>
+            <a:schemeClr val="tx1"/>
+          </a:solidFill>
+          <a:latin typeface="+mn-lt"/>
+          <a:ea typeface="+mn-ea"/>
+          <a:cs typeface="+mn-cs"/>
+        </a:defRPr>
+      </a:lvl6pPr>
+      <a:lvl7pPr marL="2971800" indent="-228600" algn="l" defTabSz="914400" rtl="0" eaLnBrk="1" latinLnBrk="0" hangingPunct="1">
+        <a:lnSpc>
+          <a:spcPct val="90000"/>
+        </a:lnSpc>
+        <a:spcBef>
+          <a:spcPts val="500"/>
+        </a:spcBef>
+        <a:buFont typeface="Arial" panose="020B0604020202020204" pitchFamily="34" charset="0"/>
+        <a:buChar char="•"/>
+        <a:defRPr sz="1800" kern="1200">
+          <a:solidFill>
+            <a:schemeClr val="tx1"/>
+          </a:solidFill>
+          <a:latin typeface="+mn-lt"/>
+          <a:ea typeface="+mn-ea"/>
+          <a:cs typeface="+mn-cs"/>
+        </a:defRPr>
+      </a:lvl7pPr>
+      <a:lvl8pPr marL="3429000" indent="-228600" algn="l" defTabSz="914400" rtl="0" eaLnBrk="1" latinLnBrk="0" hangingPunct="1">
+        <a:lnSpc>
+          <a:spcPct val="90000"/>
+        </a:lnSpc>
+        <a:spcBef>
+          <a:spcPts val="500"/>
+        </a:spcBef>
+        <a:buFont typeface="Arial" panose="020B0604020202020204" pitchFamily="34" charset="0"/>
+        <a:buChar char="•"/>
+        <a:defRPr sz="1800" kern="1200">
+          <a:solidFill>
+            <a:schemeClr val="tx1"/>
+          </a:solidFill>
+          <a:latin typeface="+mn-lt"/>
+          <a:ea typeface="+mn-ea"/>
+          <a:cs typeface="+mn-cs"/>
+        </a:defRPr>
+      </a:lvl8pPr>
+      <a:lvl9pPr marL="3886200" indent="-228600" algn="l" defTabSz="914400" rtl="0" eaLnBrk="1" latinLnBrk="0" hangingPunct="1">
+        <a:lnSpc>
+          <a:spcPct val="90000"/>
+        </a:lnSpc>
+        <a:spcBef>
+          <a:spcPts val="500"/>
+        </a:spcBef>
+        <a:buFont typeface="Arial" panose="020B0604020202020204" pitchFamily="34" charset="0"/>
+        <a:buChar char="•"/>
+        <a:defRPr sz="1800" kern="1200">
+          <a:solidFill>
+            <a:schemeClr val="tx1"/>
+          </a:solidFill>
+          <a:latin typeface="+mn-lt"/>
+          <a:ea typeface="+mn-ea"/>
+          <a:cs typeface="+mn-cs"/>
+        </a:defRPr>
+      </a:lvl9pPr>
+    </p:bodyStyle>
+    <p:otherStyle>
+      <a:defPPr>
+        <a:defRPr lang="en-US"/>
+      </a:defPPr>
+      <a:lvl1pPr marL="0" algn="l" defTabSz="914400" rtl="0" eaLnBrk="1" latinLnBrk="0" hangingPunct="1">
+        <a:defRPr sz="1800" kern="1200">
+          <a:solidFill>
+            <a:schemeClr val="tx1"/>
+          </a:solidFill>
+          <a:latin typeface="+mn-lt"/>
+          <a:ea typeface="+mn-ea"/>
+          <a:cs typeface="+mn-cs"/>
+        </a:defRPr>
+      </a:lvl1pPr>
+      <a:lvl2pPr marL="457200" algn="l" defTabSz="914400" rtl="0" eaLnBrk="1" latinLnBrk="0" hangingPunct="1">
+        <a:defRPr sz="1800" kern="1200">
+          <a:solidFill>
+            <a:schemeClr val="tx1"/>
+          </a:solidFill>
+          <a:latin typeface="+mn-lt"/>
+          <a:ea typeface="+mn-ea"/>
+          <a:cs typeface="+mn-cs"/>
+        </a:defRPr>
+      </a:lvl2pPr>
+      <a:lvl3pPr marL="914400" algn="l" defTabSz="914400" rtl="0" eaLnBrk="1" latinLnBrk="0" hangingPunct="1">
+        <a:defRPr sz="1800" kern="1200">
+          <a:solidFill>
+            <a:schemeClr val="tx1"/>
+          </a:solidFill>
+          <a:latin typeface="+mn-lt"/>
+          <a:ea typeface="+mn-ea"/>
+          <a:cs typeface="+mn-cs"/>
+        </a:defRPr>
+      </a:lvl3pPr>
+      <a:lvl4pPr marL="1371600" algn="l" defTabSz="914400" rtl="0" eaLnBrk="1" latinLnBrk="0" hangingPunct="1">
+        <a:defRPr sz="1800" kern="1200">
+          <a:solidFill>
+            <a:schemeClr val="tx1"/>
+          </a:solidFill>
+          <a:latin typeface="+mn-lt"/>
+          <a:ea typeface="+mn-ea"/>
+          <a:cs typeface="+mn-cs"/>
+        </a:defRPr>
+      </a:lvl4pPr>
+      <a:lvl5pPr marL="1828800" algn="l" defTabSz="914400" rtl="0" eaLnBrk="1" latinLnBrk="0" hangingPunct="1">
+        <a:defRPr sz="1800" kern="1200">
+          <a:solidFill>
+            <a:schemeClr val="tx1"/>
+          </a:solidFill>
+          <a:latin typeface="+mn-lt"/>
+          <a:ea typeface="+mn-ea"/>
+          <a:cs typeface="+mn-cs"/>
+        </a:defRPr>
+      </a:lvl5pPr>
+      <a:lvl6pPr marL="2286000" algn="l" defTabSz="914400" rtl="0" eaLnBrk="1" latinLnBrk="0" hangingPunct="1">
+        <a:defRPr sz="1800" kern="1200">
+          <a:solidFill>
+            <a:schemeClr val="tx1"/>
+          </a:solidFill>
+          <a:latin typeface="+mn-lt"/>
+          <a:ea typeface="+mn-ea"/>
+          <a:cs typeface="+mn-cs"/>
+        </a:defRPr>
+      </a:lvl6pPr>
+      <a:lvl7pPr marL="2743200" algn="l" defTabSz="914400" rtl="0" eaLnBrk="1" latinLnBrk="0" hangingPunct="1">
+        <a:defRPr sz="1800" kern="1200">
+          <a:solidFill>
+            <a:schemeClr val="tx1"/>
+          </a:solidFill>
+          <a:latin typeface="+mn-lt"/>
+          <a:ea typeface="+mn-ea"/>
+          <a:cs typeface="+mn-cs"/>
+        </a:defRPr>
+      </a:lvl7pPr>
+      <a:lvl8pPr marL="3200400" algn="l" defTabSz="914400" rtl="0" eaLnBrk="1" latinLnBrk="0" hangingPunct="1">
+        <a:defRPr sz="1800" kern="1200">
+          <a:solidFill>
+            <a:schemeClr val="tx1"/>
+          </a:solidFill>
+          <a:latin typeface="+mn-lt"/>
+          <a:ea typeface="+mn-ea"/>
+          <a:cs typeface="+mn-cs"/>
+        </a:defRPr>
+      </a:lvl8pPr>
+      <a:lvl9pPr marL="3657600" algn="l" defTabSz="914400" rtl="0" eaLnBrk="1" latinLnBrk="0" hangingPunct="1">
+        <a:defRPr sz="1800" kern="1200">
+          <a:solidFill>
+            <a:schemeClr val="tx1"/>
+          </a:solidFill>
+          <a:latin typeface="+mn-lt"/>
+          <a:ea typeface="+mn-ea"/>
+          <a:cs typeface="+mn-cs"/>
+        </a:defRPr>
+      </a:lvl9pPr>
+    </p:otherStyle>
+  </p:txStyles>
+</p:sldMaster>
+</file>
+
+<file path=ppt/slideMasters/slideMaster2.xml><?xml version="1.0" encoding="utf-8"?>
+<p:sldMaster xmlns:a="http://schemas.openxmlformats.org/drawingml/2006/main" xmlns:r="http://schemas.openxmlformats.org/officeDocument/2006/relationships" xmlns:p="http://schemas.openxmlformats.org/presentationml/2006/main" preserve="1">
+  <p:cSld>
+    <p:bg>
+      <p:bgPr>
+        <a:solidFill>
+          <a:srgbClr val="800000"/>
+        </a:solidFill>
+        <a:effectLst/>
+      </p:bgPr>
+    </p:bg>
+    <p:spTree>
+      <p:nvGrpSpPr>
+        <p:cNvPr id="1" name=""/>
+        <p:cNvGrpSpPr/>
+        <p:nvPr/>
+      </p:nvGrpSpPr>
+      <p:grpSpPr>
+        <a:xfrm>
+          <a:off x="0" y="0"/>
+          <a:ext cx="0" cy="0"/>
+          <a:chOff x="0" y="0"/>
+          <a:chExt cx="0" cy="0"/>
+        </a:xfrm>
+      </p:grpSpPr>
       <p:sp>
         <p:nvSpPr>
-          <p:cNvPr id="161" name="Google Shape;161;p25"/>
-          <p:cNvSpPr txBox="1">
+          <p:cNvPr id="2" name="Title Placeholder 1"/>
+          <p:cNvSpPr>
             <a:spLocks noGrp="1"/>
           </p:cNvSpPr>
           <p:nvPr>
-            <p:ph type="body" idx="1"/>
+            <p:ph type="title"/>
           </p:nvPr>
         </p:nvSpPr>
         <p:spPr>
           <a:xfrm>
-            <a:off x="457200" y="1200150"/>
-            <a:ext cx="8229600" cy="3394200"/>
+            <a:off x="628650" y="274638"/>
+            <a:ext cx="7886700" cy="993775"/>
           </a:xfrm>
           <a:prstGeom prst="rect">
             <a:avLst/>
@@ -2094,10 +2405,14 @@
           <a:bodyPr spcFirstLastPara="1" wrap="square" lIns="91425" tIns="45700" rIns="91425" bIns="45700" anchor="t" anchorCtr="0">
             <a:noAutofit/>
           </a:bodyPr>
-          <a:lstStyle>
-            <a:lvl1pPr marL="457200" marR="0" lvl="0" indent="-431800" algn="l" rtl="0">
-              <a:spcBef>
-                <a:spcPts val="640"/>
+          <a:lstStyle/>
+          <a:p>
+            <a:pPr marL="0" marR="0" lvl="0" indent="0" algn="ctr">
+              <a:lnSpc>
+                <a:spcPct val="100000"/>
+              </a:lnSpc>
+              <a:spcBef>
+                <a:spcPts val="0"/>
               </a:spcBef>
               <a:spcAft>
                 <a:spcPts val="0"/>
@@ -2107,221 +2422,29 @@
               </a:buClr>
               <a:buSzPts val="3200"/>
               <a:buFont typeface="Arial"/>
-              <a:buChar char="•"/>
-              <a:defRPr sz="3200" b="0" i="0" u="none" strike="noStrike" cap="none">
-                <a:solidFill>
-                  <a:schemeClr val="dk1"/>
-                </a:solidFill>
-                <a:latin typeface="Calibri"/>
-                <a:ea typeface="Calibri"/>
-                <a:cs typeface="Calibri"/>
-                <a:sym typeface="Calibri"/>
-              </a:defRPr>
-            </a:lvl1pPr>
-            <a:lvl2pPr marL="914400" marR="0" lvl="1" indent="-406400" algn="l" rtl="0">
-              <a:spcBef>
-                <a:spcPts val="560"/>
-              </a:spcBef>
-              <a:spcAft>
-                <a:spcPts val="0"/>
-              </a:spcAft>
-              <a:buClr>
-                <a:schemeClr val="dk1"/>
-              </a:buClr>
-              <a:buSzPts val="2800"/>
-              <a:buFont typeface="Arial"/>
-              <a:buChar char="–"/>
-              <a:defRPr sz="2800" b="0" i="0" u="none" strike="noStrike" cap="none">
-                <a:solidFill>
-                  <a:schemeClr val="dk1"/>
-                </a:solidFill>
-                <a:latin typeface="Calibri"/>
-                <a:ea typeface="Calibri"/>
-                <a:cs typeface="Calibri"/>
-                <a:sym typeface="Calibri"/>
-              </a:defRPr>
-            </a:lvl2pPr>
-            <a:lvl3pPr marL="1371600" marR="0" lvl="2" indent="-381000" algn="l" rtl="0">
-              <a:spcBef>
-                <a:spcPts val="480"/>
-              </a:spcBef>
-              <a:spcAft>
-                <a:spcPts val="0"/>
-              </a:spcAft>
-              <a:buClr>
-                <a:schemeClr val="dk1"/>
-              </a:buClr>
-              <a:buSzPts val="2400"/>
-              <a:buFont typeface="Arial"/>
-              <a:buChar char="•"/>
-              <a:defRPr sz="2400" b="0" i="0" u="none" strike="noStrike" cap="none">
-                <a:solidFill>
-                  <a:schemeClr val="dk1"/>
-                </a:solidFill>
-                <a:latin typeface="Calibri"/>
-                <a:ea typeface="Calibri"/>
-                <a:cs typeface="Calibri"/>
-                <a:sym typeface="Calibri"/>
-              </a:defRPr>
-            </a:lvl3pPr>
-            <a:lvl4pPr marL="1828800" marR="0" lvl="3" indent="-355600" algn="l" rtl="0">
-              <a:spcBef>
-                <a:spcPts val="400"/>
-              </a:spcBef>
-              <a:spcAft>
-                <a:spcPts val="0"/>
-              </a:spcAft>
-              <a:buClr>
-                <a:schemeClr val="dk1"/>
-              </a:buClr>
-              <a:buSzPts val="2000"/>
-              <a:buFont typeface="Arial"/>
-              <a:buChar char="–"/>
-              <a:defRPr sz="2000" b="0" i="0" u="none" strike="noStrike" cap="none">
-                <a:solidFill>
-                  <a:schemeClr val="dk1"/>
-                </a:solidFill>
-                <a:latin typeface="Calibri"/>
-                <a:ea typeface="Calibri"/>
-                <a:cs typeface="Calibri"/>
-                <a:sym typeface="Calibri"/>
-              </a:defRPr>
-            </a:lvl4pPr>
-            <a:lvl5pPr marL="2286000" marR="0" lvl="4" indent="-355600" algn="l" rtl="0">
-              <a:spcBef>
-                <a:spcPts val="400"/>
-              </a:spcBef>
-              <a:spcAft>
-                <a:spcPts val="0"/>
-              </a:spcAft>
-              <a:buClr>
-                <a:schemeClr val="dk1"/>
-              </a:buClr>
-              <a:buSzPts val="2000"/>
-              <a:buFont typeface="Arial"/>
-              <a:buChar char="»"/>
-              <a:defRPr sz="2000" b="0" i="0" u="none" strike="noStrike" cap="none">
-                <a:solidFill>
-                  <a:schemeClr val="dk1"/>
-                </a:solidFill>
-                <a:latin typeface="Calibri"/>
-                <a:ea typeface="Calibri"/>
-                <a:cs typeface="Calibri"/>
-                <a:sym typeface="Calibri"/>
-              </a:defRPr>
-            </a:lvl5pPr>
-            <a:lvl6pPr marL="2743200" marR="0" lvl="5" indent="-355600" algn="l" rtl="0">
-              <a:spcBef>
-                <a:spcPts val="400"/>
-              </a:spcBef>
-              <a:spcAft>
-                <a:spcPts val="0"/>
-              </a:spcAft>
-              <a:buClr>
-                <a:schemeClr val="dk1"/>
-              </a:buClr>
-              <a:buSzPts val="2000"/>
-              <a:buFont typeface="Arial"/>
-              <a:buChar char="•"/>
-              <a:defRPr sz="2000" b="0" i="0" u="none" strike="noStrike" cap="none">
-                <a:solidFill>
-                  <a:schemeClr val="dk1"/>
-                </a:solidFill>
-                <a:latin typeface="Calibri"/>
-                <a:ea typeface="Calibri"/>
-                <a:cs typeface="Calibri"/>
-                <a:sym typeface="Calibri"/>
-              </a:defRPr>
-            </a:lvl6pPr>
-            <a:lvl7pPr marL="3200400" marR="0" lvl="6" indent="-355600" algn="l" rtl="0">
-              <a:spcBef>
-                <a:spcPts val="400"/>
-              </a:spcBef>
-              <a:spcAft>
-                <a:spcPts val="0"/>
-              </a:spcAft>
-              <a:buClr>
-                <a:schemeClr val="dk1"/>
-              </a:buClr>
-              <a:buSzPts val="2000"/>
-              <a:buFont typeface="Arial"/>
-              <a:buChar char="•"/>
-              <a:defRPr sz="2000" b="0" i="0" u="none" strike="noStrike" cap="none">
-                <a:solidFill>
-                  <a:schemeClr val="dk1"/>
-                </a:solidFill>
-                <a:latin typeface="Calibri"/>
-                <a:ea typeface="Calibri"/>
-                <a:cs typeface="Calibri"/>
-                <a:sym typeface="Calibri"/>
-              </a:defRPr>
-            </a:lvl7pPr>
-            <a:lvl8pPr marL="3657600" marR="0" lvl="7" indent="-355600" algn="l" rtl="0">
-              <a:spcBef>
-                <a:spcPts val="400"/>
-              </a:spcBef>
-              <a:spcAft>
-                <a:spcPts val="0"/>
-              </a:spcAft>
-              <a:buClr>
-                <a:schemeClr val="dk1"/>
-              </a:buClr>
-              <a:buSzPts val="2000"/>
-              <a:buFont typeface="Arial"/>
-              <a:buChar char="•"/>
-              <a:defRPr sz="2000" b="0" i="0" u="none" strike="noStrike" cap="none">
-                <a:solidFill>
-                  <a:schemeClr val="dk1"/>
-                </a:solidFill>
-                <a:latin typeface="Calibri"/>
-                <a:ea typeface="Calibri"/>
-                <a:cs typeface="Calibri"/>
-                <a:sym typeface="Calibri"/>
-              </a:defRPr>
-            </a:lvl8pPr>
-            <a:lvl9pPr marL="4114800" marR="0" lvl="8" indent="-355600" algn="l" rtl="0">
-              <a:spcBef>
-                <a:spcPts val="400"/>
-              </a:spcBef>
-              <a:spcAft>
-                <a:spcPts val="0"/>
-              </a:spcAft>
-              <a:buClr>
-                <a:schemeClr val="dk1"/>
-              </a:buClr>
-              <a:buSzPts val="2000"/>
-              <a:buFont typeface="Arial"/>
-              <a:buChar char="•"/>
-              <a:defRPr sz="2000" b="0" i="0" u="none" strike="noStrike" cap="none">
-                <a:solidFill>
-                  <a:schemeClr val="dk1"/>
-                </a:solidFill>
-                <a:latin typeface="Calibri"/>
-                <a:ea typeface="Calibri"/>
-                <a:cs typeface="Calibri"/>
-                <a:sym typeface="Calibri"/>
-              </a:defRPr>
-            </a:lvl9pPr>
-          </a:lstStyle>
-          <a:p>
-            <a:endParaRPr/>
+            </a:pPr>
+            <a:r>
+              <a:rPr lang="en-US" smtClean="0"/>
+              <a:t>Click to edit Master title style</a:t>
+            </a:r>
+            <a:endParaRPr lang="en-US"/>
           </a:p>
         </p:txBody>
       </p:sp>
       <p:sp>
         <p:nvSpPr>
-          <p:cNvPr id="162" name="Google Shape;162;p25"/>
-          <p:cNvSpPr txBox="1">
+          <p:cNvPr id="3" name="Text Placeholder 2"/>
+          <p:cNvSpPr>
             <a:spLocks noGrp="1"/>
           </p:cNvSpPr>
           <p:nvPr>
-            <p:ph type="dt" idx="10"/>
+            <p:ph type="body" idx="1"/>
           </p:nvPr>
         </p:nvSpPr>
         <p:spPr>
           <a:xfrm>
-            <a:off x="457200" y="4767263"/>
-            <a:ext cx="2133600" cy="274500"/>
+            <a:off x="628650" y="1370013"/>
+            <a:ext cx="7886700" cy="3262312"/>
           </a:xfrm>
           <a:prstGeom prst="rect">
             <a:avLst/>
@@ -2335,198 +2458,424 @@
           <a:bodyPr spcFirstLastPara="1" wrap="square" lIns="91425" tIns="45700" rIns="91425" bIns="45700" anchor="ctr" anchorCtr="0">
             <a:noAutofit/>
           </a:bodyPr>
-          <a:lstStyle>
-            <a:lvl1pPr marR="0" lvl="0" algn="l" rtl="0">
-              <a:spcBef>
-                <a:spcPts val="0"/>
-              </a:spcBef>
-              <a:spcAft>
-                <a:spcPts val="0"/>
-              </a:spcAft>
+          <a:lstStyle/>
+          <a:p>
+            <a:pPr marR="0" lvl="0" algn="ctr">
+              <a:lnSpc>
+                <a:spcPct val="100000"/>
+              </a:lnSpc>
+              <a:spcBef>
+                <a:spcPts val="0"/>
+              </a:spcBef>
+              <a:spcAft>
+                <a:spcPts val="0"/>
+              </a:spcAft>
+              <a:buClr>
+                <a:srgbClr val="000000"/>
+              </a:buClr>
               <a:buSzPts val="1400"/>
+              <a:buFont typeface="Arial"/>
               <a:buNone/>
-              <a:defRPr sz="1200" b="0" i="0" u="none" strike="noStrike" cap="none">
-                <a:solidFill>
-                  <a:srgbClr val="888888"/>
-                </a:solidFill>
-                <a:latin typeface="Calibri"/>
-                <a:ea typeface="Calibri"/>
-                <a:cs typeface="Calibri"/>
-                <a:sym typeface="Calibri"/>
-              </a:defRPr>
-            </a:lvl1pPr>
-            <a:lvl2pPr marR="0" lvl="1" algn="l" rtl="0">
-              <a:spcBef>
-                <a:spcPts val="0"/>
-              </a:spcBef>
-              <a:spcAft>
-                <a:spcPts val="0"/>
-              </a:spcAft>
-              <a:buSzPts val="1400"/>
-              <a:buNone/>
-              <a:defRPr sz="1800" b="0" i="0" u="none" strike="noStrike" cap="none">
-                <a:solidFill>
-                  <a:schemeClr val="dk1"/>
-                </a:solidFill>
-                <a:latin typeface="Arial"/>
-                <a:ea typeface="Arial"/>
-                <a:cs typeface="Arial"/>
-                <a:sym typeface="Arial"/>
-              </a:defRPr>
-            </a:lvl2pPr>
-            <a:lvl3pPr marR="0" lvl="2" algn="l" rtl="0">
-              <a:spcBef>
-                <a:spcPts val="0"/>
-              </a:spcBef>
-              <a:spcAft>
-                <a:spcPts val="0"/>
-              </a:spcAft>
-              <a:buSzPts val="1400"/>
-              <a:buNone/>
-              <a:defRPr sz="1800" b="0" i="0" u="none" strike="noStrike" cap="none">
-                <a:solidFill>
-                  <a:schemeClr val="dk1"/>
-                </a:solidFill>
-                <a:latin typeface="Arial"/>
-                <a:ea typeface="Arial"/>
-                <a:cs typeface="Arial"/>
-                <a:sym typeface="Arial"/>
-              </a:defRPr>
-            </a:lvl3pPr>
-            <a:lvl4pPr marR="0" lvl="3" algn="l" rtl="0">
-              <a:spcBef>
-                <a:spcPts val="0"/>
-              </a:spcBef>
-              <a:spcAft>
-                <a:spcPts val="0"/>
-              </a:spcAft>
-              <a:buSzPts val="1400"/>
-              <a:buNone/>
-              <a:defRPr sz="1800" b="0" i="0" u="none" strike="noStrike" cap="none">
-                <a:solidFill>
-                  <a:schemeClr val="dk1"/>
-                </a:solidFill>
-                <a:latin typeface="Arial"/>
-                <a:ea typeface="Arial"/>
-                <a:cs typeface="Arial"/>
-                <a:sym typeface="Arial"/>
-              </a:defRPr>
-            </a:lvl4pPr>
-            <a:lvl5pPr marR="0" lvl="4" algn="l" rtl="0">
-              <a:spcBef>
-                <a:spcPts val="0"/>
-              </a:spcBef>
-              <a:spcAft>
-                <a:spcPts val="0"/>
-              </a:spcAft>
-              <a:buSzPts val="1400"/>
-              <a:buNone/>
-              <a:defRPr sz="1800" b="0" i="0" u="none" strike="noStrike" cap="none">
-                <a:solidFill>
-                  <a:schemeClr val="dk1"/>
-                </a:solidFill>
-                <a:latin typeface="Arial"/>
-                <a:ea typeface="Arial"/>
-                <a:cs typeface="Arial"/>
-                <a:sym typeface="Arial"/>
-              </a:defRPr>
-            </a:lvl5pPr>
-            <a:lvl6pPr marR="0" lvl="5" algn="l" rtl="0">
-              <a:spcBef>
-                <a:spcPts val="0"/>
-              </a:spcBef>
-              <a:spcAft>
-                <a:spcPts val="0"/>
-              </a:spcAft>
-              <a:buSzPts val="1400"/>
-              <a:buNone/>
-              <a:defRPr sz="1800" b="0" i="0" u="none" strike="noStrike" cap="none">
-                <a:solidFill>
-                  <a:schemeClr val="dk1"/>
-                </a:solidFill>
-                <a:latin typeface="Arial"/>
-                <a:ea typeface="Arial"/>
-                <a:cs typeface="Arial"/>
-                <a:sym typeface="Arial"/>
-              </a:defRPr>
-            </a:lvl6pPr>
-            <a:lvl7pPr marR="0" lvl="6" algn="l" rtl="0">
-              <a:spcBef>
-                <a:spcPts val="0"/>
-              </a:spcBef>
-              <a:spcAft>
-                <a:spcPts val="0"/>
-              </a:spcAft>
-              <a:buSzPts val="1400"/>
-              <a:buNone/>
-              <a:defRPr sz="1800" b="0" i="0" u="none" strike="noStrike" cap="none">
-                <a:solidFill>
-                  <a:schemeClr val="dk1"/>
-                </a:solidFill>
-                <a:latin typeface="Arial"/>
-                <a:ea typeface="Arial"/>
-                <a:cs typeface="Arial"/>
-                <a:sym typeface="Arial"/>
-              </a:defRPr>
-            </a:lvl7pPr>
-            <a:lvl8pPr marR="0" lvl="7" algn="l" rtl="0">
-              <a:spcBef>
-                <a:spcPts val="0"/>
-              </a:spcBef>
-              <a:spcAft>
-                <a:spcPts val="0"/>
-              </a:spcAft>
-              <a:buSzPts val="1400"/>
-              <a:buNone/>
-              <a:defRPr sz="1800" b="0" i="0" u="none" strike="noStrike" cap="none">
-                <a:solidFill>
-                  <a:schemeClr val="dk1"/>
-                </a:solidFill>
-                <a:latin typeface="Arial"/>
-                <a:ea typeface="Arial"/>
-                <a:cs typeface="Arial"/>
-                <a:sym typeface="Arial"/>
-              </a:defRPr>
-            </a:lvl8pPr>
-            <a:lvl9pPr marR="0" lvl="8" algn="l" rtl="0">
-              <a:spcBef>
-                <a:spcPts val="0"/>
-              </a:spcBef>
-              <a:spcAft>
-                <a:spcPts val="0"/>
-              </a:spcAft>
-              <a:buSzPts val="1400"/>
-              <a:buNone/>
-              <a:defRPr sz="1800" b="0" i="0" u="none" strike="noStrike" cap="none">
-                <a:solidFill>
-                  <a:schemeClr val="dk1"/>
-                </a:solidFill>
-                <a:latin typeface="Arial"/>
-                <a:ea typeface="Arial"/>
-                <a:cs typeface="Arial"/>
-                <a:sym typeface="Arial"/>
-              </a:defRPr>
-            </a:lvl9pPr>
-          </a:lstStyle>
+            </a:pPr>
+            <a:r>
+              <a:rPr lang="en-US" dirty="0" smtClean="0"/>
+              <a:t>Edit Master text styles</a:t>
+            </a:r>
+          </a:p>
+        </p:txBody>
+      </p:sp>
+    </p:spTree>
+    <p:extLst>
+      <p:ext uri="{BB962C8B-B14F-4D97-AF65-F5344CB8AC3E}">
+        <p14:creationId xmlns:p14="http://schemas.microsoft.com/office/powerpoint/2010/main" val="2730287759"/>
+      </p:ext>
+    </p:extLst>
+  </p:cSld>
+  <p:clrMap bg1="lt1" tx1="dk1" bg2="lt2" tx2="dk2" accent1="accent1" accent2="accent2" accent3="accent3" accent4="accent4" accent5="accent5" accent6="accent6" hlink="hlink" folHlink="folHlink"/>
+  <p:sldLayoutIdLst>
+    <p:sldLayoutId id="2147483700" r:id="rId1"/>
+  </p:sldLayoutIdLst>
+  <p:txStyles>
+    <p:titleStyle>
+      <a:lvl1pPr algn="l" defTabSz="914400" rtl="0" eaLnBrk="1" latinLnBrk="0" hangingPunct="1">
+        <a:lnSpc>
+          <a:spcPct val="90000"/>
+        </a:lnSpc>
+        <a:spcBef>
+          <a:spcPct val="0"/>
+        </a:spcBef>
+        <a:buNone/>
+        <a:defRPr lang="en-US" sz="1200" b="1" i="0" u="none" strike="noStrike" kern="1200" cap="none">
+          <a:solidFill>
+            <a:schemeClr val="bg1"/>
+          </a:solidFill>
+          <a:latin typeface="STKaiti" pitchFamily="2" charset="-122"/>
+          <a:ea typeface="STKaiti" pitchFamily="2" charset="-122"/>
+          <a:cs typeface="Calibri"/>
+          <a:sym typeface="Calibri"/>
+        </a:defRPr>
+      </a:lvl1pPr>
+    </p:titleStyle>
+    <p:bodyStyle>
+      <a:lvl1pPr marL="228600" indent="-228600" algn="l" defTabSz="914400" rtl="0" eaLnBrk="1" latinLnBrk="0" hangingPunct="1">
+        <a:lnSpc>
+          <a:spcPct val="90000"/>
+        </a:lnSpc>
+        <a:spcBef>
+          <a:spcPts val="1000"/>
+        </a:spcBef>
+        <a:buFont typeface="Arial" panose="020B0604020202020204" pitchFamily="34" charset="0"/>
+        <a:buChar char="•"/>
+        <a:defRPr lang="en-US" sz="6000" b="1" i="0" u="none" strike="noStrike" kern="1200" cap="none" smtClean="0">
+          <a:solidFill>
+            <a:schemeClr val="bg1"/>
+          </a:solidFill>
+          <a:latin typeface="STKaiti" pitchFamily="2" charset="-122"/>
+          <a:ea typeface="STKaiti" pitchFamily="2" charset="-122"/>
+          <a:cs typeface="Calibri"/>
+          <a:sym typeface="Calibri"/>
+        </a:defRPr>
+      </a:lvl1pPr>
+      <a:lvl2pPr marL="685800" indent="-228600" algn="l" defTabSz="914400" rtl="0" eaLnBrk="1" latinLnBrk="0" hangingPunct="1">
+        <a:lnSpc>
+          <a:spcPct val="90000"/>
+        </a:lnSpc>
+        <a:spcBef>
+          <a:spcPts val="500"/>
+        </a:spcBef>
+        <a:buFont typeface="Arial" panose="020B0604020202020204" pitchFamily="34" charset="0"/>
+        <a:buChar char="•"/>
+        <a:defRPr lang="en-US" sz="4400" b="0" i="0" u="none" strike="noStrike" kern="1200" cap="none" dirty="0" smtClean="0">
+          <a:solidFill>
+            <a:schemeClr val="dk1"/>
+          </a:solidFill>
+          <a:latin typeface="Calibri"/>
+          <a:ea typeface="+mn-ea"/>
+          <a:cs typeface="Calibri"/>
+          <a:sym typeface="Calibri"/>
+        </a:defRPr>
+      </a:lvl2pPr>
+      <a:lvl3pPr marL="1143000" indent="-228600" algn="l" defTabSz="914400" rtl="0" eaLnBrk="1" latinLnBrk="0" hangingPunct="1">
+        <a:lnSpc>
+          <a:spcPct val="90000"/>
+        </a:lnSpc>
+        <a:spcBef>
+          <a:spcPts val="500"/>
+        </a:spcBef>
+        <a:buFont typeface="Arial" panose="020B0604020202020204" pitchFamily="34" charset="0"/>
+        <a:buChar char="•"/>
+        <a:defRPr lang="en-US" sz="4400" b="0" i="0" u="none" strike="noStrike" kern="1200" cap="none" dirty="0" smtClean="0">
+          <a:solidFill>
+            <a:schemeClr val="dk1"/>
+          </a:solidFill>
+          <a:latin typeface="Calibri"/>
+          <a:ea typeface="+mn-ea"/>
+          <a:cs typeface="Calibri"/>
+          <a:sym typeface="Calibri"/>
+        </a:defRPr>
+      </a:lvl3pPr>
+      <a:lvl4pPr marL="1600200" indent="-228600" algn="l" defTabSz="914400" rtl="0" eaLnBrk="1" latinLnBrk="0" hangingPunct="1">
+        <a:lnSpc>
+          <a:spcPct val="90000"/>
+        </a:lnSpc>
+        <a:spcBef>
+          <a:spcPts val="500"/>
+        </a:spcBef>
+        <a:buFont typeface="Arial" panose="020B0604020202020204" pitchFamily="34" charset="0"/>
+        <a:buChar char="•"/>
+        <a:defRPr lang="en-US" sz="4400" b="0" i="0" u="none" strike="noStrike" kern="1200" cap="none" dirty="0" smtClean="0">
+          <a:solidFill>
+            <a:schemeClr val="dk1"/>
+          </a:solidFill>
+          <a:latin typeface="Calibri"/>
+          <a:ea typeface="+mn-ea"/>
+          <a:cs typeface="Calibri"/>
+          <a:sym typeface="Calibri"/>
+        </a:defRPr>
+      </a:lvl4pPr>
+      <a:lvl5pPr marL="2057400" indent="-228600" algn="l" defTabSz="914400" rtl="0" eaLnBrk="1" latinLnBrk="0" hangingPunct="1">
+        <a:lnSpc>
+          <a:spcPct val="90000"/>
+        </a:lnSpc>
+        <a:spcBef>
+          <a:spcPts val="500"/>
+        </a:spcBef>
+        <a:buFont typeface="Arial" panose="020B0604020202020204" pitchFamily="34" charset="0"/>
+        <a:buChar char="•"/>
+        <a:defRPr lang="en-US" sz="4400" b="0" i="0" u="none" strike="noStrike" kern="1200" cap="none" dirty="0">
+          <a:solidFill>
+            <a:schemeClr val="dk1"/>
+          </a:solidFill>
+          <a:latin typeface="Calibri"/>
+          <a:ea typeface="+mn-ea"/>
+          <a:cs typeface="Calibri"/>
+          <a:sym typeface="Calibri"/>
+        </a:defRPr>
+      </a:lvl5pPr>
+      <a:lvl6pPr marL="2514600" indent="-228600" algn="l" defTabSz="914400" rtl="0" eaLnBrk="1" latinLnBrk="0" hangingPunct="1">
+        <a:lnSpc>
+          <a:spcPct val="90000"/>
+        </a:lnSpc>
+        <a:spcBef>
+          <a:spcPts val="500"/>
+        </a:spcBef>
+        <a:buFont typeface="Arial" panose="020B0604020202020204" pitchFamily="34" charset="0"/>
+        <a:buChar char="•"/>
+        <a:defRPr sz="1800" kern="1200">
+          <a:solidFill>
+            <a:schemeClr val="tx1"/>
+          </a:solidFill>
+          <a:latin typeface="+mn-lt"/>
+          <a:ea typeface="+mn-ea"/>
+          <a:cs typeface="+mn-cs"/>
+        </a:defRPr>
+      </a:lvl6pPr>
+      <a:lvl7pPr marL="2971800" indent="-228600" algn="l" defTabSz="914400" rtl="0" eaLnBrk="1" latinLnBrk="0" hangingPunct="1">
+        <a:lnSpc>
+          <a:spcPct val="90000"/>
+        </a:lnSpc>
+        <a:spcBef>
+          <a:spcPts val="500"/>
+        </a:spcBef>
+        <a:buFont typeface="Arial" panose="020B0604020202020204" pitchFamily="34" charset="0"/>
+        <a:buChar char="•"/>
+        <a:defRPr sz="1800" kern="1200">
+          <a:solidFill>
+            <a:schemeClr val="tx1"/>
+          </a:solidFill>
+          <a:latin typeface="+mn-lt"/>
+          <a:ea typeface="+mn-ea"/>
+          <a:cs typeface="+mn-cs"/>
+        </a:defRPr>
+      </a:lvl7pPr>
+      <a:lvl8pPr marL="3429000" indent="-228600" algn="l" defTabSz="914400" rtl="0" eaLnBrk="1" latinLnBrk="0" hangingPunct="1">
+        <a:lnSpc>
+          <a:spcPct val="90000"/>
+        </a:lnSpc>
+        <a:spcBef>
+          <a:spcPts val="500"/>
+        </a:spcBef>
+        <a:buFont typeface="Arial" panose="020B0604020202020204" pitchFamily="34" charset="0"/>
+        <a:buChar char="•"/>
+        <a:defRPr sz="1800" kern="1200">
+          <a:solidFill>
+            <a:schemeClr val="tx1"/>
+          </a:solidFill>
+          <a:latin typeface="+mn-lt"/>
+          <a:ea typeface="+mn-ea"/>
+          <a:cs typeface="+mn-cs"/>
+        </a:defRPr>
+      </a:lvl8pPr>
+      <a:lvl9pPr marL="3886200" indent="-228600" algn="l" defTabSz="914400" rtl="0" eaLnBrk="1" latinLnBrk="0" hangingPunct="1">
+        <a:lnSpc>
+          <a:spcPct val="90000"/>
+        </a:lnSpc>
+        <a:spcBef>
+          <a:spcPts val="500"/>
+        </a:spcBef>
+        <a:buFont typeface="Arial" panose="020B0604020202020204" pitchFamily="34" charset="0"/>
+        <a:buChar char="•"/>
+        <a:defRPr sz="1800" kern="1200">
+          <a:solidFill>
+            <a:schemeClr val="tx1"/>
+          </a:solidFill>
+          <a:latin typeface="+mn-lt"/>
+          <a:ea typeface="+mn-ea"/>
+          <a:cs typeface="+mn-cs"/>
+        </a:defRPr>
+      </a:lvl9pPr>
+    </p:bodyStyle>
+    <p:otherStyle>
+      <a:defPPr>
+        <a:defRPr lang="en-US"/>
+      </a:defPPr>
+      <a:lvl1pPr marL="0" algn="l" defTabSz="914400" rtl="0" eaLnBrk="1" latinLnBrk="0" hangingPunct="1">
+        <a:defRPr sz="1800" kern="1200">
+          <a:solidFill>
+            <a:schemeClr val="tx1"/>
+          </a:solidFill>
+          <a:latin typeface="+mn-lt"/>
+          <a:ea typeface="+mn-ea"/>
+          <a:cs typeface="+mn-cs"/>
+        </a:defRPr>
+      </a:lvl1pPr>
+      <a:lvl2pPr marL="457200" algn="l" defTabSz="914400" rtl="0" eaLnBrk="1" latinLnBrk="0" hangingPunct="1">
+        <a:defRPr sz="1800" kern="1200">
+          <a:solidFill>
+            <a:schemeClr val="tx1"/>
+          </a:solidFill>
+          <a:latin typeface="+mn-lt"/>
+          <a:ea typeface="+mn-ea"/>
+          <a:cs typeface="+mn-cs"/>
+        </a:defRPr>
+      </a:lvl2pPr>
+      <a:lvl3pPr marL="914400" algn="l" defTabSz="914400" rtl="0" eaLnBrk="1" latinLnBrk="0" hangingPunct="1">
+        <a:defRPr sz="1800" kern="1200">
+          <a:solidFill>
+            <a:schemeClr val="tx1"/>
+          </a:solidFill>
+          <a:latin typeface="+mn-lt"/>
+          <a:ea typeface="+mn-ea"/>
+          <a:cs typeface="+mn-cs"/>
+        </a:defRPr>
+      </a:lvl3pPr>
+      <a:lvl4pPr marL="1371600" algn="l" defTabSz="914400" rtl="0" eaLnBrk="1" latinLnBrk="0" hangingPunct="1">
+        <a:defRPr sz="1800" kern="1200">
+          <a:solidFill>
+            <a:schemeClr val="tx1"/>
+          </a:solidFill>
+          <a:latin typeface="+mn-lt"/>
+          <a:ea typeface="+mn-ea"/>
+          <a:cs typeface="+mn-cs"/>
+        </a:defRPr>
+      </a:lvl4pPr>
+      <a:lvl5pPr marL="1828800" algn="l" defTabSz="914400" rtl="0" eaLnBrk="1" latinLnBrk="0" hangingPunct="1">
+        <a:defRPr sz="1800" kern="1200">
+          <a:solidFill>
+            <a:schemeClr val="tx1"/>
+          </a:solidFill>
+          <a:latin typeface="+mn-lt"/>
+          <a:ea typeface="+mn-ea"/>
+          <a:cs typeface="+mn-cs"/>
+        </a:defRPr>
+      </a:lvl5pPr>
+      <a:lvl6pPr marL="2286000" algn="l" defTabSz="914400" rtl="0" eaLnBrk="1" latinLnBrk="0" hangingPunct="1">
+        <a:defRPr sz="1800" kern="1200">
+          <a:solidFill>
+            <a:schemeClr val="tx1"/>
+          </a:solidFill>
+          <a:latin typeface="+mn-lt"/>
+          <a:ea typeface="+mn-ea"/>
+          <a:cs typeface="+mn-cs"/>
+        </a:defRPr>
+      </a:lvl6pPr>
+      <a:lvl7pPr marL="2743200" algn="l" defTabSz="914400" rtl="0" eaLnBrk="1" latinLnBrk="0" hangingPunct="1">
+        <a:defRPr sz="1800" kern="1200">
+          <a:solidFill>
+            <a:schemeClr val="tx1"/>
+          </a:solidFill>
+          <a:latin typeface="+mn-lt"/>
+          <a:ea typeface="+mn-ea"/>
+          <a:cs typeface="+mn-cs"/>
+        </a:defRPr>
+      </a:lvl7pPr>
+      <a:lvl8pPr marL="3200400" algn="l" defTabSz="914400" rtl="0" eaLnBrk="1" latinLnBrk="0" hangingPunct="1">
+        <a:defRPr sz="1800" kern="1200">
+          <a:solidFill>
+            <a:schemeClr val="tx1"/>
+          </a:solidFill>
+          <a:latin typeface="+mn-lt"/>
+          <a:ea typeface="+mn-ea"/>
+          <a:cs typeface="+mn-cs"/>
+        </a:defRPr>
+      </a:lvl8pPr>
+      <a:lvl9pPr marL="3657600" algn="l" defTabSz="914400" rtl="0" eaLnBrk="1" latinLnBrk="0" hangingPunct="1">
+        <a:defRPr sz="1800" kern="1200">
+          <a:solidFill>
+            <a:schemeClr val="tx1"/>
+          </a:solidFill>
+          <a:latin typeface="+mn-lt"/>
+          <a:ea typeface="+mn-ea"/>
+          <a:cs typeface="+mn-cs"/>
+        </a:defRPr>
+      </a:lvl9pPr>
+    </p:otherStyle>
+  </p:txStyles>
+</p:sldMaster>
+</file>
+
+<file path=ppt/slideMasters/slideMaster3.xml><?xml version="1.0" encoding="utf-8"?>
+<p:sldMaster xmlns:a="http://schemas.openxmlformats.org/drawingml/2006/main" xmlns:r="http://schemas.openxmlformats.org/officeDocument/2006/relationships" xmlns:p="http://schemas.openxmlformats.org/presentationml/2006/main" preserve="1">
+  <p:cSld>
+    <p:bg>
+      <p:bgPr>
+        <a:solidFill>
+          <a:srgbClr val="800000"/>
+        </a:solidFill>
+        <a:effectLst/>
+      </p:bgPr>
+    </p:bg>
+    <p:spTree>
+      <p:nvGrpSpPr>
+        <p:cNvPr id="1" name=""/>
+        <p:cNvGrpSpPr/>
+        <p:nvPr/>
+      </p:nvGrpSpPr>
+      <p:grpSpPr>
+        <a:xfrm>
+          <a:off x="0" y="0"/>
+          <a:ext cx="0" cy="0"/>
+          <a:chOff x="0" y="0"/>
+          <a:chExt cx="0" cy="0"/>
+        </a:xfrm>
+      </p:grpSpPr>
+      <p:sp>
+        <p:nvSpPr>
+          <p:cNvPr id="2" name="Title Placeholder 1"/>
+          <p:cNvSpPr>
+            <a:spLocks noGrp="1"/>
+          </p:cNvSpPr>
+          <p:nvPr>
+            <p:ph type="title"/>
+          </p:nvPr>
+        </p:nvSpPr>
+        <p:spPr>
+          <a:xfrm>
+            <a:off x="628650" y="274638"/>
+            <a:ext cx="7886700" cy="993775"/>
+          </a:xfrm>
+          <a:prstGeom prst="rect">
+            <a:avLst/>
+          </a:prstGeom>
+          <a:noFill/>
+          <a:ln>
+            <a:noFill/>
+          </a:ln>
+        </p:spPr>
+        <p:txBody>
+          <a:bodyPr spcFirstLastPara="1" wrap="square" lIns="91425" tIns="45700" rIns="91425" bIns="45700" anchor="t" anchorCtr="0">
+            <a:noAutofit/>
+          </a:bodyPr>
+          <a:lstStyle/>
           <a:p>
-            <a:endParaRPr/>
+            <a:pPr marL="0" marR="0" lvl="0" indent="0" algn="ctr">
+              <a:lnSpc>
+                <a:spcPct val="100000"/>
+              </a:lnSpc>
+              <a:spcBef>
+                <a:spcPts val="0"/>
+              </a:spcBef>
+              <a:spcAft>
+                <a:spcPts val="0"/>
+              </a:spcAft>
+              <a:buClr>
+                <a:schemeClr val="dk1"/>
+              </a:buClr>
+              <a:buSzPts val="3200"/>
+              <a:buFont typeface="Arial"/>
+            </a:pPr>
+            <a:r>
+              <a:rPr lang="en-US" smtClean="0"/>
+              <a:t>Click to edit Master title style</a:t>
+            </a:r>
+            <a:endParaRPr lang="en-US"/>
           </a:p>
         </p:txBody>
       </p:sp>
       <p:sp>
         <p:nvSpPr>
-          <p:cNvPr id="163" name="Google Shape;163;p25"/>
-          <p:cNvSpPr txBox="1">
+          <p:cNvPr id="3" name="Text Placeholder 2"/>
+          <p:cNvSpPr>
             <a:spLocks noGrp="1"/>
           </p:cNvSpPr>
           <p:nvPr>
-            <p:ph type="ftr" idx="11"/>
+            <p:ph type="body" idx="1"/>
           </p:nvPr>
         </p:nvSpPr>
         <p:spPr>
           <a:xfrm>
-            <a:off x="3124200" y="4767263"/>
-            <a:ext cx="2895600" cy="274500"/>
+            <a:off x="628650" y="1370013"/>
+            <a:ext cx="7886700" cy="3262312"/>
           </a:xfrm>
           <a:prstGeom prst="rect">
             <a:avLst/>
@@ -2540,1087 +2889,325 @@
           <a:bodyPr spcFirstLastPara="1" wrap="square" lIns="91425" tIns="45700" rIns="91425" bIns="45700" anchor="ctr" anchorCtr="0">
             <a:noAutofit/>
           </a:bodyPr>
-          <a:lstStyle>
-            <a:lvl1pPr marR="0" lvl="0" algn="ctr" rtl="0">
-              <a:spcBef>
-                <a:spcPts val="0"/>
-              </a:spcBef>
-              <a:spcAft>
-                <a:spcPts val="0"/>
-              </a:spcAft>
+          <a:lstStyle/>
+          <a:p>
+            <a:pPr marR="0" lvl="0" algn="ctr">
+              <a:lnSpc>
+                <a:spcPct val="100000"/>
+              </a:lnSpc>
+              <a:spcBef>
+                <a:spcPts val="0"/>
+              </a:spcBef>
+              <a:spcAft>
+                <a:spcPts val="0"/>
+              </a:spcAft>
+              <a:buClr>
+                <a:srgbClr val="000000"/>
+              </a:buClr>
               <a:buSzPts val="1400"/>
-              <a:buNone/>
-              <a:defRPr sz="1200" b="0" i="0" u="none" strike="noStrike" cap="none">
-                <a:solidFill>
-                  <a:srgbClr val="888888"/>
-                </a:solidFill>
-                <a:latin typeface="Calibri"/>
-                <a:ea typeface="Calibri"/>
-                <a:cs typeface="Calibri"/>
-                <a:sym typeface="Calibri"/>
-              </a:defRPr>
-            </a:lvl1pPr>
-            <a:lvl2pPr marR="0" lvl="1" algn="l" rtl="0">
-              <a:spcBef>
-                <a:spcPts val="0"/>
-              </a:spcBef>
-              <a:spcAft>
-                <a:spcPts val="0"/>
-              </a:spcAft>
-              <a:buSzPts val="1400"/>
-              <a:buNone/>
-              <a:defRPr sz="1800" b="0" i="0" u="none" strike="noStrike" cap="none">
-                <a:solidFill>
-                  <a:schemeClr val="dk1"/>
-                </a:solidFill>
-                <a:latin typeface="Arial"/>
-                <a:ea typeface="Arial"/>
-                <a:cs typeface="Arial"/>
-                <a:sym typeface="Arial"/>
-              </a:defRPr>
-            </a:lvl2pPr>
-            <a:lvl3pPr marR="0" lvl="2" algn="l" rtl="0">
-              <a:spcBef>
-                <a:spcPts val="0"/>
-              </a:spcBef>
-              <a:spcAft>
-                <a:spcPts val="0"/>
-              </a:spcAft>
-              <a:buSzPts val="1400"/>
-              <a:buNone/>
-              <a:defRPr sz="1800" b="0" i="0" u="none" strike="noStrike" cap="none">
-                <a:solidFill>
-                  <a:schemeClr val="dk1"/>
-                </a:solidFill>
-                <a:latin typeface="Arial"/>
-                <a:ea typeface="Arial"/>
-                <a:cs typeface="Arial"/>
-                <a:sym typeface="Arial"/>
-              </a:defRPr>
-            </a:lvl3pPr>
-            <a:lvl4pPr marR="0" lvl="3" algn="l" rtl="0">
-              <a:spcBef>
-                <a:spcPts val="0"/>
-              </a:spcBef>
-              <a:spcAft>
-                <a:spcPts val="0"/>
-              </a:spcAft>
-              <a:buSzPts val="1400"/>
-              <a:buNone/>
-              <a:defRPr sz="1800" b="0" i="0" u="none" strike="noStrike" cap="none">
-                <a:solidFill>
-                  <a:schemeClr val="dk1"/>
-                </a:solidFill>
-                <a:latin typeface="Arial"/>
-                <a:ea typeface="Arial"/>
-                <a:cs typeface="Arial"/>
-                <a:sym typeface="Arial"/>
-              </a:defRPr>
-            </a:lvl4pPr>
-            <a:lvl5pPr marR="0" lvl="4" algn="l" rtl="0">
-              <a:spcBef>
-                <a:spcPts val="0"/>
-              </a:spcBef>
-              <a:spcAft>
-                <a:spcPts val="0"/>
-              </a:spcAft>
-              <a:buSzPts val="1400"/>
-              <a:buNone/>
-              <a:defRPr sz="1800" b="0" i="0" u="none" strike="noStrike" cap="none">
-                <a:solidFill>
-                  <a:schemeClr val="dk1"/>
-                </a:solidFill>
-                <a:latin typeface="Arial"/>
-                <a:ea typeface="Arial"/>
-                <a:cs typeface="Arial"/>
-                <a:sym typeface="Arial"/>
-              </a:defRPr>
-            </a:lvl5pPr>
-            <a:lvl6pPr marR="0" lvl="5" algn="l" rtl="0">
-              <a:spcBef>
-                <a:spcPts val="0"/>
-              </a:spcBef>
-              <a:spcAft>
-                <a:spcPts val="0"/>
-              </a:spcAft>
-              <a:buSzPts val="1400"/>
-              <a:buNone/>
-              <a:defRPr sz="1800" b="0" i="0" u="none" strike="noStrike" cap="none">
-                <a:solidFill>
-                  <a:schemeClr val="dk1"/>
-                </a:solidFill>
-                <a:latin typeface="Arial"/>
-                <a:ea typeface="Arial"/>
-                <a:cs typeface="Arial"/>
-                <a:sym typeface="Arial"/>
-              </a:defRPr>
-            </a:lvl6pPr>
-            <a:lvl7pPr marR="0" lvl="6" algn="l" rtl="0">
-              <a:spcBef>
-                <a:spcPts val="0"/>
-              </a:spcBef>
-              <a:spcAft>
-                <a:spcPts val="0"/>
-              </a:spcAft>
-              <a:buSzPts val="1400"/>
-              <a:buNone/>
-              <a:defRPr sz="1800" b="0" i="0" u="none" strike="noStrike" cap="none">
-                <a:solidFill>
-                  <a:schemeClr val="dk1"/>
-                </a:solidFill>
-                <a:latin typeface="Arial"/>
-                <a:ea typeface="Arial"/>
-                <a:cs typeface="Arial"/>
-                <a:sym typeface="Arial"/>
-              </a:defRPr>
-            </a:lvl7pPr>
-            <a:lvl8pPr marR="0" lvl="7" algn="l" rtl="0">
-              <a:spcBef>
-                <a:spcPts val="0"/>
-              </a:spcBef>
-              <a:spcAft>
-                <a:spcPts val="0"/>
-              </a:spcAft>
-              <a:buSzPts val="1400"/>
-              <a:buNone/>
-              <a:defRPr sz="1800" b="0" i="0" u="none" strike="noStrike" cap="none">
-                <a:solidFill>
-                  <a:schemeClr val="dk1"/>
-                </a:solidFill>
-                <a:latin typeface="Arial"/>
-                <a:ea typeface="Arial"/>
-                <a:cs typeface="Arial"/>
-                <a:sym typeface="Arial"/>
-              </a:defRPr>
-            </a:lvl8pPr>
-            <a:lvl9pPr marR="0" lvl="8" algn="l" rtl="0">
-              <a:spcBef>
-                <a:spcPts val="0"/>
-              </a:spcBef>
-              <a:spcAft>
-                <a:spcPts val="0"/>
-              </a:spcAft>
-              <a:buSzPts val="1400"/>
-              <a:buNone/>
-              <a:defRPr sz="1800" b="0" i="0" u="none" strike="noStrike" cap="none">
-                <a:solidFill>
-                  <a:schemeClr val="dk1"/>
-                </a:solidFill>
-                <a:latin typeface="Arial"/>
-                <a:ea typeface="Arial"/>
-                <a:cs typeface="Arial"/>
-                <a:sym typeface="Arial"/>
-              </a:defRPr>
-            </a:lvl9pPr>
-          </a:lstStyle>
-          <a:p>
-            <a:endParaRPr/>
-          </a:p>
-        </p:txBody>
-      </p:sp>
-      <p:sp>
-        <p:nvSpPr>
-          <p:cNvPr id="164" name="Google Shape;164;p25"/>
-          <p:cNvSpPr txBox="1">
-            <a:spLocks noGrp="1"/>
-          </p:cNvSpPr>
-          <p:nvPr>
-            <p:ph type="sldNum" idx="12"/>
-          </p:nvPr>
-        </p:nvSpPr>
-        <p:spPr>
-          <a:xfrm>
-            <a:off x="6553200" y="4767263"/>
-            <a:ext cx="2133600" cy="274500"/>
-          </a:xfrm>
-          <a:prstGeom prst="rect">
-            <a:avLst/>
-          </a:prstGeom>
-          <a:noFill/>
-          <a:ln>
-            <a:noFill/>
-          </a:ln>
-        </p:spPr>
-        <p:txBody>
-          <a:bodyPr spcFirstLastPara="1" wrap="square" lIns="91425" tIns="45700" rIns="91425" bIns="45700" anchor="ctr" anchorCtr="0">
-            <a:noAutofit/>
-          </a:bodyPr>
-          <a:lstStyle>
-            <a:lvl1pPr marL="0" marR="0" lvl="0" indent="0" algn="r" rtl="0">
-              <a:spcBef>
-                <a:spcPts val="0"/>
-              </a:spcBef>
-              <a:spcAft>
-                <a:spcPts val="0"/>
-              </a:spcAft>
-              <a:buNone/>
-              <a:defRPr sz="1200" b="0" i="0" u="none" strike="noStrike" cap="none">
-                <a:solidFill>
-                  <a:srgbClr val="888888"/>
-                </a:solidFill>
-                <a:latin typeface="Calibri"/>
-                <a:ea typeface="Calibri"/>
-                <a:cs typeface="Calibri"/>
-                <a:sym typeface="Calibri"/>
-              </a:defRPr>
-            </a:lvl1pPr>
-            <a:lvl2pPr marL="0" marR="0" lvl="1" indent="0" algn="r" rtl="0">
-              <a:spcBef>
-                <a:spcPts val="0"/>
-              </a:spcBef>
-              <a:spcAft>
-                <a:spcPts val="0"/>
-              </a:spcAft>
-              <a:buNone/>
-              <a:defRPr sz="1200" b="0" i="0" u="none" strike="noStrike" cap="none">
-                <a:solidFill>
-                  <a:srgbClr val="888888"/>
-                </a:solidFill>
-                <a:latin typeface="Calibri"/>
-                <a:ea typeface="Calibri"/>
-                <a:cs typeface="Calibri"/>
-                <a:sym typeface="Calibri"/>
-              </a:defRPr>
-            </a:lvl2pPr>
-            <a:lvl3pPr marL="0" marR="0" lvl="2" indent="0" algn="r" rtl="0">
-              <a:spcBef>
-                <a:spcPts val="0"/>
-              </a:spcBef>
-              <a:spcAft>
-                <a:spcPts val="0"/>
-              </a:spcAft>
-              <a:buNone/>
-              <a:defRPr sz="1200" b="0" i="0" u="none" strike="noStrike" cap="none">
-                <a:solidFill>
-                  <a:srgbClr val="888888"/>
-                </a:solidFill>
-                <a:latin typeface="Calibri"/>
-                <a:ea typeface="Calibri"/>
-                <a:cs typeface="Calibri"/>
-                <a:sym typeface="Calibri"/>
-              </a:defRPr>
-            </a:lvl3pPr>
-            <a:lvl4pPr marL="0" marR="0" lvl="3" indent="0" algn="r" rtl="0">
-              <a:spcBef>
-                <a:spcPts val="0"/>
-              </a:spcBef>
-              <a:spcAft>
-                <a:spcPts val="0"/>
-              </a:spcAft>
-              <a:buNone/>
-              <a:defRPr sz="1200" b="0" i="0" u="none" strike="noStrike" cap="none">
-                <a:solidFill>
-                  <a:srgbClr val="888888"/>
-                </a:solidFill>
-                <a:latin typeface="Calibri"/>
-                <a:ea typeface="Calibri"/>
-                <a:cs typeface="Calibri"/>
-                <a:sym typeface="Calibri"/>
-              </a:defRPr>
-            </a:lvl4pPr>
-            <a:lvl5pPr marL="0" marR="0" lvl="4" indent="0" algn="r" rtl="0">
-              <a:spcBef>
-                <a:spcPts val="0"/>
-              </a:spcBef>
-              <a:spcAft>
-                <a:spcPts val="0"/>
-              </a:spcAft>
-              <a:buNone/>
-              <a:defRPr sz="1200" b="0" i="0" u="none" strike="noStrike" cap="none">
-                <a:solidFill>
-                  <a:srgbClr val="888888"/>
-                </a:solidFill>
-                <a:latin typeface="Calibri"/>
-                <a:ea typeface="Calibri"/>
-                <a:cs typeface="Calibri"/>
-                <a:sym typeface="Calibri"/>
-              </a:defRPr>
-            </a:lvl5pPr>
-            <a:lvl6pPr marL="0" marR="0" lvl="5" indent="0" algn="r" rtl="0">
-              <a:spcBef>
-                <a:spcPts val="0"/>
-              </a:spcBef>
-              <a:spcAft>
-                <a:spcPts val="0"/>
-              </a:spcAft>
-              <a:buNone/>
-              <a:defRPr sz="1200" b="0" i="0" u="none" strike="noStrike" cap="none">
-                <a:solidFill>
-                  <a:srgbClr val="888888"/>
-                </a:solidFill>
-                <a:latin typeface="Calibri"/>
-                <a:ea typeface="Calibri"/>
-                <a:cs typeface="Calibri"/>
-                <a:sym typeface="Calibri"/>
-              </a:defRPr>
-            </a:lvl6pPr>
-            <a:lvl7pPr marL="0" marR="0" lvl="6" indent="0" algn="r" rtl="0">
-              <a:spcBef>
-                <a:spcPts val="0"/>
-              </a:spcBef>
-              <a:spcAft>
-                <a:spcPts val="0"/>
-              </a:spcAft>
-              <a:buNone/>
-              <a:defRPr sz="1200" b="0" i="0" u="none" strike="noStrike" cap="none">
-                <a:solidFill>
-                  <a:srgbClr val="888888"/>
-                </a:solidFill>
-                <a:latin typeface="Calibri"/>
-                <a:ea typeface="Calibri"/>
-                <a:cs typeface="Calibri"/>
-                <a:sym typeface="Calibri"/>
-              </a:defRPr>
-            </a:lvl7pPr>
-            <a:lvl8pPr marL="0" marR="0" lvl="7" indent="0" algn="r" rtl="0">
-              <a:spcBef>
-                <a:spcPts val="0"/>
-              </a:spcBef>
-              <a:spcAft>
-                <a:spcPts val="0"/>
-              </a:spcAft>
-              <a:buNone/>
-              <a:defRPr sz="1200" b="0" i="0" u="none" strike="noStrike" cap="none">
-                <a:solidFill>
-                  <a:srgbClr val="888888"/>
-                </a:solidFill>
-                <a:latin typeface="Calibri"/>
-                <a:ea typeface="Calibri"/>
-                <a:cs typeface="Calibri"/>
-                <a:sym typeface="Calibri"/>
-              </a:defRPr>
-            </a:lvl8pPr>
-            <a:lvl9pPr marL="0" marR="0" lvl="8" indent="0" algn="r" rtl="0">
-              <a:spcBef>
-                <a:spcPts val="0"/>
-              </a:spcBef>
-              <a:spcAft>
-                <a:spcPts val="0"/>
-              </a:spcAft>
-              <a:buNone/>
-              <a:defRPr sz="1200" b="0" i="0" u="none" strike="noStrike" cap="none">
-                <a:solidFill>
-                  <a:srgbClr val="888888"/>
-                </a:solidFill>
-                <a:latin typeface="Calibri"/>
-                <a:ea typeface="Calibri"/>
-                <a:cs typeface="Calibri"/>
-                <a:sym typeface="Calibri"/>
-              </a:defRPr>
-            </a:lvl9pPr>
-          </a:lstStyle>
-          <a:p>
-            <a:pPr marL="0" lvl="0" indent="0" algn="r" rtl="0">
-              <a:spcBef>
-                <a:spcPts val="0"/>
-              </a:spcBef>
-              <a:spcAft>
-                <a:spcPts val="0"/>
-              </a:spcAft>
+              <a:buFont typeface="Arial"/>
               <a:buNone/>
             </a:pPr>
-            <a:fld id="{00000000-1234-1234-1234-123412341234}" type="slidenum">
-              <a:rPr lang="zh-CN"/>
-              <a:t>‹#›</a:t>
-            </a:fld>
-            <a:endParaRPr/>
+            <a:r>
+              <a:rPr lang="en-US" dirty="0" smtClean="0"/>
+              <a:t>Edit Master text styles</a:t>
+            </a:r>
           </a:p>
         </p:txBody>
       </p:sp>
     </p:spTree>
+    <p:extLst>
+      <p:ext uri="{BB962C8B-B14F-4D97-AF65-F5344CB8AC3E}">
+        <p14:creationId xmlns:p14="http://schemas.microsoft.com/office/powerpoint/2010/main" val="3415995479"/>
+      </p:ext>
+    </p:extLst>
   </p:cSld>
-  <p:clrMap bg1="lt1" tx1="dk1" bg2="dk2" tx2="lt2" accent1="accent1" accent2="accent2" accent3="accent3" accent4="accent4" accent5="accent5" accent6="accent6" hlink="hlink" folHlink="folHlink"/>
+  <p:clrMap bg1="lt1" tx1="dk1" bg2="lt2" tx2="dk2" accent1="accent1" accent2="accent2" accent3="accent3" accent4="accent4" accent5="accent5" accent6="accent6" hlink="hlink" folHlink="folHlink"/>
   <p:sldLayoutIdLst>
-    <p:sldLayoutId id="2147483695" r:id="rId1"/>
-    <p:sldLayoutId id="2147483697" r:id="rId2"/>
-    <p:sldLayoutId id="2147483698" r:id="rId3"/>
+    <p:sldLayoutId id="2147483702" r:id="rId1"/>
   </p:sldLayoutIdLst>
-  <p:hf sldNum="0" hdr="0" ftr="0" dt="0"/>
   <p:txStyles>
     <p:titleStyle>
-      <a:defPPr marR="0" lvl="0" algn="l" rtl="0">
+      <a:lvl1pPr algn="l" defTabSz="914400" rtl="0" eaLnBrk="1" latinLnBrk="0" hangingPunct="1">
         <a:lnSpc>
-          <a:spcPct val="100000"/>
+          <a:spcPct val="90000"/>
         </a:lnSpc>
         <a:spcBef>
-          <a:spcPts val="0"/>
+          <a:spcPct val="0"/>
         </a:spcBef>
-        <a:spcAft>
-          <a:spcPts val="0"/>
-        </a:spcAft>
-      </a:defPPr>
-      <a:lvl1pPr marR="0" lvl="0" algn="l" rtl="0">
+        <a:buNone/>
+        <a:defRPr lang="en-US" sz="1200" b="1" i="0" u="none" strike="noStrike" kern="1200" cap="none">
+          <a:solidFill>
+            <a:srgbClr val="FFFF99"/>
+          </a:solidFill>
+          <a:latin typeface="STKaiti" pitchFamily="2" charset="-122"/>
+          <a:ea typeface="STKaiti" pitchFamily="2" charset="-122"/>
+          <a:cs typeface="Calibri"/>
+          <a:sym typeface="Calibri"/>
+        </a:defRPr>
+      </a:lvl1pPr>
+    </p:titleStyle>
+    <p:bodyStyle>
+      <a:lvl1pPr marL="228600" indent="-228600" algn="l" defTabSz="914400" rtl="0" eaLnBrk="1" latinLnBrk="0" hangingPunct="1">
         <a:lnSpc>
-          <a:spcPct val="100000"/>
+          <a:spcPct val="90000"/>
         </a:lnSpc>
         <a:spcBef>
-          <a:spcPts val="0"/>
+          <a:spcPts val="1000"/>
         </a:spcBef>
-        <a:spcAft>
-          <a:spcPts val="0"/>
-        </a:spcAft>
-        <a:buClr>
-          <a:srgbClr val="000000"/>
-        </a:buClr>
-        <a:buFont typeface="Arial"/>
-        <a:defRPr sz="1400" b="0" i="0" u="none" strike="noStrike" cap="none">
-          <a:solidFill>
-            <a:srgbClr val="000000"/>
-          </a:solidFill>
-          <a:latin typeface="Arial"/>
-          <a:ea typeface="Arial"/>
-          <a:cs typeface="Arial"/>
-          <a:sym typeface="Arial"/>
+        <a:buFont typeface="Arial" panose="020B0604020202020204" pitchFamily="34" charset="0"/>
+        <a:buChar char="•"/>
+        <a:defRPr lang="en-US" sz="6000" b="1" i="0" u="none" strike="noStrike" kern="1200" cap="none" smtClean="0">
+          <a:solidFill>
+            <a:srgbClr val="FFFF99"/>
+          </a:solidFill>
+          <a:latin typeface="Arial Narrow" panose="020B0606020202030204" pitchFamily="34" charset="0"/>
+          <a:ea typeface="STKaiti" pitchFamily="2" charset="-122"/>
+          <a:cs typeface="Calibri"/>
+          <a:sym typeface="Calibri"/>
         </a:defRPr>
       </a:lvl1pPr>
-      <a:lvl2pPr marR="0" lvl="1" algn="l" rtl="0">
+      <a:lvl2pPr marL="685800" indent="-228600" algn="l" defTabSz="914400" rtl="0" eaLnBrk="1" latinLnBrk="0" hangingPunct="1">
         <a:lnSpc>
-          <a:spcPct val="100000"/>
+          <a:spcPct val="90000"/>
         </a:lnSpc>
         <a:spcBef>
-          <a:spcPts val="0"/>
+          <a:spcPts val="500"/>
         </a:spcBef>
-        <a:spcAft>
-          <a:spcPts val="0"/>
-        </a:spcAft>
-        <a:buClr>
-          <a:srgbClr val="000000"/>
-        </a:buClr>
-        <a:buFont typeface="Arial"/>
-        <a:defRPr sz="1400" b="0" i="0" u="none" strike="noStrike" cap="none">
-          <a:solidFill>
-            <a:srgbClr val="000000"/>
-          </a:solidFill>
-          <a:latin typeface="Arial"/>
-          <a:ea typeface="Arial"/>
-          <a:cs typeface="Arial"/>
-          <a:sym typeface="Arial"/>
+        <a:buFont typeface="Arial" panose="020B0604020202020204" pitchFamily="34" charset="0"/>
+        <a:buChar char="•"/>
+        <a:defRPr lang="en-US" sz="4400" b="0" i="0" u="none" strike="noStrike" kern="1200" cap="none" dirty="0" smtClean="0">
+          <a:solidFill>
+            <a:schemeClr val="dk1"/>
+          </a:solidFill>
+          <a:latin typeface="Calibri"/>
+          <a:ea typeface="+mn-ea"/>
+          <a:cs typeface="Calibri"/>
+          <a:sym typeface="Calibri"/>
         </a:defRPr>
       </a:lvl2pPr>
-      <a:lvl3pPr marR="0" lvl="2" algn="l" rtl="0">
+      <a:lvl3pPr marL="1143000" indent="-228600" algn="l" defTabSz="914400" rtl="0" eaLnBrk="1" latinLnBrk="0" hangingPunct="1">
         <a:lnSpc>
-          <a:spcPct val="100000"/>
+          <a:spcPct val="90000"/>
         </a:lnSpc>
         <a:spcBef>
-          <a:spcPts val="0"/>
+          <a:spcPts val="500"/>
         </a:spcBef>
-        <a:spcAft>
-          <a:spcPts val="0"/>
-        </a:spcAft>
-        <a:buClr>
-          <a:srgbClr val="000000"/>
-        </a:buClr>
-        <a:buFont typeface="Arial"/>
-        <a:defRPr sz="1400" b="0" i="0" u="none" strike="noStrike" cap="none">
-          <a:solidFill>
-            <a:srgbClr val="000000"/>
-          </a:solidFill>
-          <a:latin typeface="Arial"/>
-          <a:ea typeface="Arial"/>
-          <a:cs typeface="Arial"/>
-          <a:sym typeface="Arial"/>
+        <a:buFont typeface="Arial" panose="020B0604020202020204" pitchFamily="34" charset="0"/>
+        <a:buChar char="•"/>
+        <a:defRPr lang="en-US" sz="4400" b="0" i="0" u="none" strike="noStrike" kern="1200" cap="none" dirty="0" smtClean="0">
+          <a:solidFill>
+            <a:schemeClr val="dk1"/>
+          </a:solidFill>
+          <a:latin typeface="Calibri"/>
+          <a:ea typeface="+mn-ea"/>
+          <a:cs typeface="Calibri"/>
+          <a:sym typeface="Calibri"/>
         </a:defRPr>
       </a:lvl3pPr>
-      <a:lvl4pPr marR="0" lvl="3" algn="l" rtl="0">
+      <a:lvl4pPr marL="1600200" indent="-228600" algn="l" defTabSz="914400" rtl="0" eaLnBrk="1" latinLnBrk="0" hangingPunct="1">
         <a:lnSpc>
-          <a:spcPct val="100000"/>
+          <a:spcPct val="90000"/>
         </a:lnSpc>
         <a:spcBef>
-          <a:spcPts val="0"/>
+          <a:spcPts val="500"/>
         </a:spcBef>
-        <a:spcAft>
-          <a:spcPts val="0"/>
-        </a:spcAft>
-        <a:buClr>
-          <a:srgbClr val="000000"/>
-        </a:buClr>
-        <a:buFont typeface="Arial"/>
-        <a:defRPr sz="1400" b="0" i="0" u="none" strike="noStrike" cap="none">
-          <a:solidFill>
-            <a:srgbClr val="000000"/>
-          </a:solidFill>
-          <a:latin typeface="Arial"/>
-          <a:ea typeface="Arial"/>
-          <a:cs typeface="Arial"/>
-          <a:sym typeface="Arial"/>
+        <a:buFont typeface="Arial" panose="020B0604020202020204" pitchFamily="34" charset="0"/>
+        <a:buChar char="•"/>
+        <a:defRPr lang="en-US" sz="4400" b="0" i="0" u="none" strike="noStrike" kern="1200" cap="none" dirty="0" smtClean="0">
+          <a:solidFill>
+            <a:schemeClr val="dk1"/>
+          </a:solidFill>
+          <a:latin typeface="Calibri"/>
+          <a:ea typeface="+mn-ea"/>
+          <a:cs typeface="Calibri"/>
+          <a:sym typeface="Calibri"/>
         </a:defRPr>
       </a:lvl4pPr>
-      <a:lvl5pPr marR="0" lvl="4" algn="l" rtl="0">
+      <a:lvl5pPr marL="2057400" indent="-228600" algn="l" defTabSz="914400" rtl="0" eaLnBrk="1" latinLnBrk="0" hangingPunct="1">
         <a:lnSpc>
-          <a:spcPct val="100000"/>
+          <a:spcPct val="90000"/>
         </a:lnSpc>
         <a:spcBef>
-          <a:spcPts val="0"/>
+          <a:spcPts val="500"/>
         </a:spcBef>
-        <a:spcAft>
-          <a:spcPts val="0"/>
-        </a:spcAft>
-        <a:buClr>
-          <a:srgbClr val="000000"/>
-        </a:buClr>
-        <a:buFont typeface="Arial"/>
-        <a:defRPr sz="1400" b="0" i="0" u="none" strike="noStrike" cap="none">
-          <a:solidFill>
-            <a:srgbClr val="000000"/>
-          </a:solidFill>
-          <a:latin typeface="Arial"/>
-          <a:ea typeface="Arial"/>
-          <a:cs typeface="Arial"/>
-          <a:sym typeface="Arial"/>
+        <a:buFont typeface="Arial" panose="020B0604020202020204" pitchFamily="34" charset="0"/>
+        <a:buChar char="•"/>
+        <a:defRPr lang="en-US" sz="4400" b="0" i="0" u="none" strike="noStrike" kern="1200" cap="none" dirty="0">
+          <a:solidFill>
+            <a:schemeClr val="dk1"/>
+          </a:solidFill>
+          <a:latin typeface="Calibri"/>
+          <a:ea typeface="+mn-ea"/>
+          <a:cs typeface="Calibri"/>
+          <a:sym typeface="Calibri"/>
         </a:defRPr>
       </a:lvl5pPr>
-      <a:lvl6pPr marR="0" lvl="5" algn="l" rtl="0">
+      <a:lvl6pPr marL="2514600" indent="-228600" algn="l" defTabSz="914400" rtl="0" eaLnBrk="1" latinLnBrk="0" hangingPunct="1">
         <a:lnSpc>
-          <a:spcPct val="100000"/>
+          <a:spcPct val="90000"/>
         </a:lnSpc>
         <a:spcBef>
-          <a:spcPts val="0"/>
+          <a:spcPts val="500"/>
         </a:spcBef>
-        <a:spcAft>
-          <a:spcPts val="0"/>
-        </a:spcAft>
-        <a:buClr>
-          <a:srgbClr val="000000"/>
-        </a:buClr>
-        <a:buFont typeface="Arial"/>
-        <a:defRPr sz="1400" b="0" i="0" u="none" strike="noStrike" cap="none">
-          <a:solidFill>
-            <a:srgbClr val="000000"/>
-          </a:solidFill>
-          <a:latin typeface="Arial"/>
-          <a:ea typeface="Arial"/>
-          <a:cs typeface="Arial"/>
-          <a:sym typeface="Arial"/>
+        <a:buFont typeface="Arial" panose="020B0604020202020204" pitchFamily="34" charset="0"/>
+        <a:buChar char="•"/>
+        <a:defRPr sz="1800" kern="1200">
+          <a:solidFill>
+            <a:schemeClr val="tx1"/>
+          </a:solidFill>
+          <a:latin typeface="+mn-lt"/>
+          <a:ea typeface="+mn-ea"/>
+          <a:cs typeface="+mn-cs"/>
         </a:defRPr>
       </a:lvl6pPr>
-      <a:lvl7pPr marR="0" lvl="6" algn="l" rtl="0">
+      <a:lvl7pPr marL="2971800" indent="-228600" algn="l" defTabSz="914400" rtl="0" eaLnBrk="1" latinLnBrk="0" hangingPunct="1">
         <a:lnSpc>
-          <a:spcPct val="100000"/>
+          <a:spcPct val="90000"/>
         </a:lnSpc>
         <a:spcBef>
-          <a:spcPts val="0"/>
+          <a:spcPts val="500"/>
         </a:spcBef>
-        <a:spcAft>
-          <a:spcPts val="0"/>
-        </a:spcAft>
-        <a:buClr>
-          <a:srgbClr val="000000"/>
-        </a:buClr>
-        <a:buFont typeface="Arial"/>
-        <a:defRPr sz="1400" b="0" i="0" u="none" strike="noStrike" cap="none">
-          <a:solidFill>
-            <a:srgbClr val="000000"/>
-          </a:solidFill>
-          <a:latin typeface="Arial"/>
-          <a:ea typeface="Arial"/>
-          <a:cs typeface="Arial"/>
-          <a:sym typeface="Arial"/>
+        <a:buFont typeface="Arial" panose="020B0604020202020204" pitchFamily="34" charset="0"/>
+        <a:buChar char="•"/>
+        <a:defRPr sz="1800" kern="1200">
+          <a:solidFill>
+            <a:schemeClr val="tx1"/>
+          </a:solidFill>
+          <a:latin typeface="+mn-lt"/>
+          <a:ea typeface="+mn-ea"/>
+          <a:cs typeface="+mn-cs"/>
         </a:defRPr>
       </a:lvl7pPr>
-      <a:lvl8pPr marR="0" lvl="7" algn="l" rtl="0">
+      <a:lvl8pPr marL="3429000" indent="-228600" algn="l" defTabSz="914400" rtl="0" eaLnBrk="1" latinLnBrk="0" hangingPunct="1">
         <a:lnSpc>
-          <a:spcPct val="100000"/>
+          <a:spcPct val="90000"/>
         </a:lnSpc>
         <a:spcBef>
-          <a:spcPts val="0"/>
+          <a:spcPts val="500"/>
         </a:spcBef>
-        <a:spcAft>
-          <a:spcPts val="0"/>
-        </a:spcAft>
-        <a:buClr>
-          <a:srgbClr val="000000"/>
-        </a:buClr>
-        <a:buFont typeface="Arial"/>
-        <a:defRPr sz="1400" b="0" i="0" u="none" strike="noStrike" cap="none">
-          <a:solidFill>
-            <a:srgbClr val="000000"/>
-          </a:solidFill>
-          <a:latin typeface="Arial"/>
-          <a:ea typeface="Arial"/>
-          <a:cs typeface="Arial"/>
-          <a:sym typeface="Arial"/>
+        <a:buFont typeface="Arial" panose="020B0604020202020204" pitchFamily="34" charset="0"/>
+        <a:buChar char="•"/>
+        <a:defRPr sz="1800" kern="1200">
+          <a:solidFill>
+            <a:schemeClr val="tx1"/>
+          </a:solidFill>
+          <a:latin typeface="+mn-lt"/>
+          <a:ea typeface="+mn-ea"/>
+          <a:cs typeface="+mn-cs"/>
         </a:defRPr>
       </a:lvl8pPr>
-      <a:lvl9pPr marR="0" lvl="8" algn="l" rtl="0">
+      <a:lvl9pPr marL="3886200" indent="-228600" algn="l" defTabSz="914400" rtl="0" eaLnBrk="1" latinLnBrk="0" hangingPunct="1">
         <a:lnSpc>
-          <a:spcPct val="100000"/>
+          <a:spcPct val="90000"/>
         </a:lnSpc>
         <a:spcBef>
-          <a:spcPts val="0"/>
+          <a:spcPts val="500"/>
         </a:spcBef>
-        <a:spcAft>
-          <a:spcPts val="0"/>
-        </a:spcAft>
-        <a:buClr>
-          <a:srgbClr val="000000"/>
-        </a:buClr>
-        <a:buFont typeface="Arial"/>
-        <a:defRPr sz="1400" b="0" i="0" u="none" strike="noStrike" cap="none">
-          <a:solidFill>
-            <a:srgbClr val="000000"/>
-          </a:solidFill>
-          <a:latin typeface="Arial"/>
-          <a:ea typeface="Arial"/>
-          <a:cs typeface="Arial"/>
-          <a:sym typeface="Arial"/>
-        </a:defRPr>
-      </a:lvl9pPr>
-    </p:titleStyle>
-    <p:bodyStyle>
-      <a:defPPr marR="0" lvl="0" algn="l" rtl="0">
-        <a:lnSpc>
-          <a:spcPct val="100000"/>
-        </a:lnSpc>
-        <a:spcBef>
-          <a:spcPts val="0"/>
-        </a:spcBef>
-        <a:spcAft>
-          <a:spcPts val="0"/>
-        </a:spcAft>
-      </a:defPPr>
-      <a:lvl1pPr marR="0" lvl="0" algn="l" rtl="0">
-        <a:lnSpc>
-          <a:spcPct val="100000"/>
-        </a:lnSpc>
-        <a:spcBef>
-          <a:spcPts val="0"/>
-        </a:spcBef>
-        <a:spcAft>
-          <a:spcPts val="0"/>
-        </a:spcAft>
-        <a:buClr>
-          <a:srgbClr val="000000"/>
-        </a:buClr>
-        <a:buFont typeface="Arial"/>
-        <a:defRPr sz="1400" b="0" i="0" u="none" strike="noStrike" cap="none">
-          <a:solidFill>
-            <a:srgbClr val="000000"/>
-          </a:solidFill>
-          <a:latin typeface="Arial"/>
-          <a:ea typeface="Arial"/>
-          <a:cs typeface="Arial"/>
-          <a:sym typeface="Arial"/>
-        </a:defRPr>
-      </a:lvl1pPr>
-      <a:lvl2pPr marR="0" lvl="1" algn="l" rtl="0">
-        <a:lnSpc>
-          <a:spcPct val="100000"/>
-        </a:lnSpc>
-        <a:spcBef>
-          <a:spcPts val="0"/>
-        </a:spcBef>
-        <a:spcAft>
-          <a:spcPts val="0"/>
-        </a:spcAft>
-        <a:buClr>
-          <a:srgbClr val="000000"/>
-        </a:buClr>
-        <a:buFont typeface="Arial"/>
-        <a:defRPr sz="1400" b="0" i="0" u="none" strike="noStrike" cap="none">
-          <a:solidFill>
-            <a:srgbClr val="000000"/>
-          </a:solidFill>
-          <a:latin typeface="Arial"/>
-          <a:ea typeface="Arial"/>
-          <a:cs typeface="Arial"/>
-          <a:sym typeface="Arial"/>
-        </a:defRPr>
-      </a:lvl2pPr>
-      <a:lvl3pPr marR="0" lvl="2" algn="l" rtl="0">
-        <a:lnSpc>
-          <a:spcPct val="100000"/>
-        </a:lnSpc>
-        <a:spcBef>
-          <a:spcPts val="0"/>
-        </a:spcBef>
-        <a:spcAft>
-          <a:spcPts val="0"/>
-        </a:spcAft>
-        <a:buClr>
-          <a:srgbClr val="000000"/>
-        </a:buClr>
-        <a:buFont typeface="Arial"/>
-        <a:defRPr sz="1400" b="0" i="0" u="none" strike="noStrike" cap="none">
-          <a:solidFill>
-            <a:srgbClr val="000000"/>
-          </a:solidFill>
-          <a:latin typeface="Arial"/>
-          <a:ea typeface="Arial"/>
-          <a:cs typeface="Arial"/>
-          <a:sym typeface="Arial"/>
-        </a:defRPr>
-      </a:lvl3pPr>
-      <a:lvl4pPr marR="0" lvl="3" algn="l" rtl="0">
-        <a:lnSpc>
-          <a:spcPct val="100000"/>
-        </a:lnSpc>
-        <a:spcBef>
-          <a:spcPts val="0"/>
-        </a:spcBef>
-        <a:spcAft>
-          <a:spcPts val="0"/>
-        </a:spcAft>
-        <a:buClr>
-          <a:srgbClr val="000000"/>
-        </a:buClr>
-        <a:buFont typeface="Arial"/>
-        <a:defRPr sz="1400" b="0" i="0" u="none" strike="noStrike" cap="none">
-          <a:solidFill>
-            <a:srgbClr val="000000"/>
-          </a:solidFill>
-          <a:latin typeface="Arial"/>
-          <a:ea typeface="Arial"/>
-          <a:cs typeface="Arial"/>
-          <a:sym typeface="Arial"/>
-        </a:defRPr>
-      </a:lvl4pPr>
-      <a:lvl5pPr marR="0" lvl="4" algn="l" rtl="0">
-        <a:lnSpc>
-          <a:spcPct val="100000"/>
-        </a:lnSpc>
-        <a:spcBef>
-          <a:spcPts val="0"/>
-        </a:spcBef>
-        <a:spcAft>
-          <a:spcPts val="0"/>
-        </a:spcAft>
-        <a:buClr>
-          <a:srgbClr val="000000"/>
-        </a:buClr>
-        <a:buFont typeface="Arial"/>
-        <a:defRPr sz="1400" b="0" i="0" u="none" strike="noStrike" cap="none">
-          <a:solidFill>
-            <a:srgbClr val="000000"/>
-          </a:solidFill>
-          <a:latin typeface="Arial"/>
-          <a:ea typeface="Arial"/>
-          <a:cs typeface="Arial"/>
-          <a:sym typeface="Arial"/>
-        </a:defRPr>
-      </a:lvl5pPr>
-      <a:lvl6pPr marR="0" lvl="5" algn="l" rtl="0">
-        <a:lnSpc>
-          <a:spcPct val="100000"/>
-        </a:lnSpc>
-        <a:spcBef>
-          <a:spcPts val="0"/>
-        </a:spcBef>
-        <a:spcAft>
-          <a:spcPts val="0"/>
-        </a:spcAft>
-        <a:buClr>
-          <a:srgbClr val="000000"/>
-        </a:buClr>
-        <a:buFont typeface="Arial"/>
-        <a:defRPr sz="1400" b="0" i="0" u="none" strike="noStrike" cap="none">
-          <a:solidFill>
-            <a:srgbClr val="000000"/>
-          </a:solidFill>
-          <a:latin typeface="Arial"/>
-          <a:ea typeface="Arial"/>
-          <a:cs typeface="Arial"/>
-          <a:sym typeface="Arial"/>
-        </a:defRPr>
-      </a:lvl6pPr>
-      <a:lvl7pPr marR="0" lvl="6" algn="l" rtl="0">
-        <a:lnSpc>
-          <a:spcPct val="100000"/>
-        </a:lnSpc>
-        <a:spcBef>
-          <a:spcPts val="0"/>
-        </a:spcBef>
-        <a:spcAft>
-          <a:spcPts val="0"/>
-        </a:spcAft>
-        <a:buClr>
-          <a:srgbClr val="000000"/>
-        </a:buClr>
-        <a:buFont typeface="Arial"/>
-        <a:defRPr sz="1400" b="0" i="0" u="none" strike="noStrike" cap="none">
-          <a:solidFill>
-            <a:srgbClr val="000000"/>
-          </a:solidFill>
-          <a:latin typeface="Arial"/>
-          <a:ea typeface="Arial"/>
-          <a:cs typeface="Arial"/>
-          <a:sym typeface="Arial"/>
-        </a:defRPr>
-      </a:lvl7pPr>
-      <a:lvl8pPr marR="0" lvl="7" algn="l" rtl="0">
-        <a:lnSpc>
-          <a:spcPct val="100000"/>
-        </a:lnSpc>
-        <a:spcBef>
-          <a:spcPts val="0"/>
-        </a:spcBef>
-        <a:spcAft>
-          <a:spcPts val="0"/>
-        </a:spcAft>
-        <a:buClr>
-          <a:srgbClr val="000000"/>
-        </a:buClr>
-        <a:buFont typeface="Arial"/>
-        <a:defRPr sz="1400" b="0" i="0" u="none" strike="noStrike" cap="none">
-          <a:solidFill>
-            <a:srgbClr val="000000"/>
-          </a:solidFill>
-          <a:latin typeface="Arial"/>
-          <a:ea typeface="Arial"/>
-          <a:cs typeface="Arial"/>
-          <a:sym typeface="Arial"/>
-        </a:defRPr>
-      </a:lvl8pPr>
-      <a:lvl9pPr marR="0" lvl="8" algn="l" rtl="0">
-        <a:lnSpc>
-          <a:spcPct val="100000"/>
-        </a:lnSpc>
-        <a:spcBef>
-          <a:spcPts val="0"/>
-        </a:spcBef>
-        <a:spcAft>
-          <a:spcPts val="0"/>
-        </a:spcAft>
-        <a:buClr>
-          <a:srgbClr val="000000"/>
-        </a:buClr>
-        <a:buFont typeface="Arial"/>
-        <a:defRPr sz="1400" b="0" i="0" u="none" strike="noStrike" cap="none">
-          <a:solidFill>
-            <a:srgbClr val="000000"/>
-          </a:solidFill>
-          <a:latin typeface="Arial"/>
-          <a:ea typeface="Arial"/>
-          <a:cs typeface="Arial"/>
-          <a:sym typeface="Arial"/>
+        <a:buFont typeface="Arial" panose="020B0604020202020204" pitchFamily="34" charset="0"/>
+        <a:buChar char="•"/>
+        <a:defRPr sz="1800" kern="1200">
+          <a:solidFill>
+            <a:schemeClr val="tx1"/>
+          </a:solidFill>
+          <a:latin typeface="+mn-lt"/>
+          <a:ea typeface="+mn-ea"/>
+          <a:cs typeface="+mn-cs"/>
         </a:defRPr>
       </a:lvl9pPr>
     </p:bodyStyle>
     <p:otherStyle>
-      <a:defPPr marR="0" lvl="0" algn="l" rtl="0">
-        <a:lnSpc>
-          <a:spcPct val="100000"/>
-        </a:lnSpc>
-        <a:spcBef>
-          <a:spcPts val="0"/>
-        </a:spcBef>
-        <a:spcAft>
-          <a:spcPts val="0"/>
-        </a:spcAft>
+      <a:defPPr>
+        <a:defRPr lang="en-US"/>
       </a:defPPr>
-      <a:lvl1pPr marR="0" lvl="0" algn="l" rtl="0">
-        <a:lnSpc>
-          <a:spcPct val="100000"/>
-        </a:lnSpc>
-        <a:spcBef>
-          <a:spcPts val="0"/>
-        </a:spcBef>
-        <a:spcAft>
-          <a:spcPts val="0"/>
-        </a:spcAft>
-        <a:buClr>
-          <a:srgbClr val="000000"/>
-        </a:buClr>
-        <a:buFont typeface="Arial"/>
-        <a:defRPr sz="1400" b="0" i="0" u="none" strike="noStrike" cap="none">
-          <a:solidFill>
-            <a:srgbClr val="000000"/>
-          </a:solidFill>
-          <a:latin typeface="Arial"/>
-          <a:ea typeface="Arial"/>
-          <a:cs typeface="Arial"/>
-          <a:sym typeface="Arial"/>
+      <a:lvl1pPr marL="0" algn="l" defTabSz="914400" rtl="0" eaLnBrk="1" latinLnBrk="0" hangingPunct="1">
+        <a:defRPr sz="1800" kern="1200">
+          <a:solidFill>
+            <a:schemeClr val="tx1"/>
+          </a:solidFill>
+          <a:latin typeface="+mn-lt"/>
+          <a:ea typeface="+mn-ea"/>
+          <a:cs typeface="+mn-cs"/>
         </a:defRPr>
       </a:lvl1pPr>
-      <a:lvl2pPr marR="0" lvl="1" algn="l" rtl="0">
-        <a:lnSpc>
-          <a:spcPct val="100000"/>
-        </a:lnSpc>
-        <a:spcBef>
-          <a:spcPts val="0"/>
-        </a:spcBef>
-        <a:spcAft>
-          <a:spcPts val="0"/>
-        </a:spcAft>
-        <a:buClr>
-          <a:srgbClr val="000000"/>
-        </a:buClr>
-        <a:buFont typeface="Arial"/>
-        <a:defRPr sz="1400" b="0" i="0" u="none" strike="noStrike" cap="none">
-          <a:solidFill>
-            <a:srgbClr val="000000"/>
-          </a:solidFill>
-          <a:latin typeface="Arial"/>
-          <a:ea typeface="Arial"/>
-          <a:cs typeface="Arial"/>
-          <a:sym typeface="Arial"/>
+      <a:lvl2pPr marL="457200" algn="l" defTabSz="914400" rtl="0" eaLnBrk="1" latinLnBrk="0" hangingPunct="1">
+        <a:defRPr sz="1800" kern="1200">
+          <a:solidFill>
+            <a:schemeClr val="tx1"/>
+          </a:solidFill>
+          <a:latin typeface="+mn-lt"/>
+          <a:ea typeface="+mn-ea"/>
+          <a:cs typeface="+mn-cs"/>
         </a:defRPr>
       </a:lvl2pPr>
-      <a:lvl3pPr marR="0" lvl="2" algn="l" rtl="0">
-        <a:lnSpc>
-          <a:spcPct val="100000"/>
-        </a:lnSpc>
-        <a:spcBef>
-          <a:spcPts val="0"/>
-        </a:spcBef>
-        <a:spcAft>
-          <a:spcPts val="0"/>
-        </a:spcAft>
-        <a:buClr>
-          <a:srgbClr val="000000"/>
-        </a:buClr>
-        <a:buFont typeface="Arial"/>
-        <a:defRPr sz="1400" b="0" i="0" u="none" strike="noStrike" cap="none">
-          <a:solidFill>
-            <a:srgbClr val="000000"/>
-          </a:solidFill>
-          <a:latin typeface="Arial"/>
-          <a:ea typeface="Arial"/>
-          <a:cs typeface="Arial"/>
-          <a:sym typeface="Arial"/>
+      <a:lvl3pPr marL="914400" algn="l" defTabSz="914400" rtl="0" eaLnBrk="1" latinLnBrk="0" hangingPunct="1">
+        <a:defRPr sz="1800" kern="1200">
+          <a:solidFill>
+            <a:schemeClr val="tx1"/>
+          </a:solidFill>
+          <a:latin typeface="+mn-lt"/>
+          <a:ea typeface="+mn-ea"/>
+          <a:cs typeface="+mn-cs"/>
         </a:defRPr>
       </a:lvl3pPr>
-      <a:lvl4pPr marR="0" lvl="3" algn="l" rtl="0">
-        <a:lnSpc>
-          <a:spcPct val="100000"/>
-        </a:lnSpc>
-        <a:spcBef>
-          <a:spcPts val="0"/>
-        </a:spcBef>
-        <a:spcAft>
-          <a:spcPts val="0"/>
-        </a:spcAft>
-        <a:buClr>
-          <a:srgbClr val="000000"/>
-        </a:buClr>
-        <a:buFont typeface="Arial"/>
-        <a:defRPr sz="1400" b="0" i="0" u="none" strike="noStrike" cap="none">
-          <a:solidFill>
-            <a:srgbClr val="000000"/>
-          </a:solidFill>
-          <a:latin typeface="Arial"/>
-          <a:ea typeface="Arial"/>
-          <a:cs typeface="Arial"/>
-          <a:sym typeface="Arial"/>
+      <a:lvl4pPr marL="1371600" algn="l" defTabSz="914400" rtl="0" eaLnBrk="1" latinLnBrk="0" hangingPunct="1">
+        <a:defRPr sz="1800" kern="1200">
+          <a:solidFill>
+            <a:schemeClr val="tx1"/>
+          </a:solidFill>
+          <a:latin typeface="+mn-lt"/>
+          <a:ea typeface="+mn-ea"/>
+          <a:cs typeface="+mn-cs"/>
         </a:defRPr>
       </a:lvl4pPr>
-      <a:lvl5pPr marR="0" lvl="4" algn="l" rtl="0">
-        <a:lnSpc>
-          <a:spcPct val="100000"/>
-        </a:lnSpc>
-        <a:spcBef>
-          <a:spcPts val="0"/>
-        </a:spcBef>
-        <a:spcAft>
-          <a:spcPts val="0"/>
-        </a:spcAft>
-        <a:buClr>
-          <a:srgbClr val="000000"/>
-        </a:buClr>
-        <a:buFont typeface="Arial"/>
-        <a:defRPr sz="1400" b="0" i="0" u="none" strike="noStrike" cap="none">
-          <a:solidFill>
-            <a:srgbClr val="000000"/>
-          </a:solidFill>
-          <a:latin typeface="Arial"/>
-          <a:ea typeface="Arial"/>
-          <a:cs typeface="Arial"/>
-          <a:sym typeface="Arial"/>
+      <a:lvl5pPr marL="1828800" algn="l" defTabSz="914400" rtl="0" eaLnBrk="1" latinLnBrk="0" hangingPunct="1">
+        <a:defRPr sz="1800" kern="1200">
+          <a:solidFill>
+            <a:schemeClr val="tx1"/>
+          </a:solidFill>
+          <a:latin typeface="+mn-lt"/>
+          <a:ea typeface="+mn-ea"/>
+          <a:cs typeface="+mn-cs"/>
         </a:defRPr>
       </a:lvl5pPr>
-      <a:lvl6pPr marR="0" lvl="5" algn="l" rtl="0">
-        <a:lnSpc>
-          <a:spcPct val="100000"/>
-        </a:lnSpc>
-        <a:spcBef>
-          <a:spcPts val="0"/>
-        </a:spcBef>
-        <a:spcAft>
-          <a:spcPts val="0"/>
-        </a:spcAft>
-        <a:buClr>
-          <a:srgbClr val="000000"/>
-        </a:buClr>
-        <a:buFont typeface="Arial"/>
-        <a:defRPr sz="1400" b="0" i="0" u="none" strike="noStrike" cap="none">
-          <a:solidFill>
-            <a:srgbClr val="000000"/>
-          </a:solidFill>
-          <a:latin typeface="Arial"/>
-          <a:ea typeface="Arial"/>
-          <a:cs typeface="Arial"/>
-          <a:sym typeface="Arial"/>
+      <a:lvl6pPr marL="2286000" algn="l" defTabSz="914400" rtl="0" eaLnBrk="1" latinLnBrk="0" hangingPunct="1">
+        <a:defRPr sz="1800" kern="1200">
+          <a:solidFill>
+            <a:schemeClr val="tx1"/>
+          </a:solidFill>
+          <a:latin typeface="+mn-lt"/>
+          <a:ea typeface="+mn-ea"/>
+          <a:cs typeface="+mn-cs"/>
         </a:defRPr>
       </a:lvl6pPr>
-      <a:lvl7pPr marR="0" lvl="6" algn="l" rtl="0">
-        <a:lnSpc>
-          <a:spcPct val="100000"/>
-        </a:lnSpc>
-        <a:spcBef>
-          <a:spcPts val="0"/>
-        </a:spcBef>
-        <a:spcAft>
-          <a:spcPts val="0"/>
-        </a:spcAft>
-        <a:buClr>
-          <a:srgbClr val="000000"/>
-        </a:buClr>
-        <a:buFont typeface="Arial"/>
-        <a:defRPr sz="1400" b="0" i="0" u="none" strike="noStrike" cap="none">
-          <a:solidFill>
-            <a:srgbClr val="000000"/>
-          </a:solidFill>
-          <a:latin typeface="Arial"/>
-          <a:ea typeface="Arial"/>
-          <a:cs typeface="Arial"/>
-          <a:sym typeface="Arial"/>
+      <a:lvl7pPr marL="2743200" algn="l" defTabSz="914400" rtl="0" eaLnBrk="1" latinLnBrk="0" hangingPunct="1">
+        <a:defRPr sz="1800" kern="1200">
+          <a:solidFill>
+            <a:schemeClr val="tx1"/>
+          </a:solidFill>
+          <a:latin typeface="+mn-lt"/>
+          <a:ea typeface="+mn-ea"/>
+          <a:cs typeface="+mn-cs"/>
         </a:defRPr>
       </a:lvl7pPr>
-      <a:lvl8pPr marR="0" lvl="7" algn="l" rtl="0">
-        <a:lnSpc>
-          <a:spcPct val="100000"/>
-        </a:lnSpc>
-        <a:spcBef>
-          <a:spcPts val="0"/>
-        </a:spcBef>
-        <a:spcAft>
-          <a:spcPts val="0"/>
-        </a:spcAft>
-        <a:buClr>
-          <a:srgbClr val="000000"/>
-        </a:buClr>
-        <a:buFont typeface="Arial"/>
-        <a:defRPr sz="1400" b="0" i="0" u="none" strike="noStrike" cap="none">
-          <a:solidFill>
-            <a:srgbClr val="000000"/>
-          </a:solidFill>
-          <a:latin typeface="Arial"/>
-          <a:ea typeface="Arial"/>
-          <a:cs typeface="Arial"/>
-          <a:sym typeface="Arial"/>
+      <a:lvl8pPr marL="3200400" algn="l" defTabSz="914400" rtl="0" eaLnBrk="1" latinLnBrk="0" hangingPunct="1">
+        <a:defRPr sz="1800" kern="1200">
+          <a:solidFill>
+            <a:schemeClr val="tx1"/>
+          </a:solidFill>
+          <a:latin typeface="+mn-lt"/>
+          <a:ea typeface="+mn-ea"/>
+          <a:cs typeface="+mn-cs"/>
         </a:defRPr>
       </a:lvl8pPr>
-      <a:lvl9pPr marR="0" lvl="8" algn="l" rtl="0">
-        <a:lnSpc>
-          <a:spcPct val="100000"/>
-        </a:lnSpc>
-        <a:spcBef>
-          <a:spcPts val="0"/>
-        </a:spcBef>
-        <a:spcAft>
-          <a:spcPts val="0"/>
-        </a:spcAft>
-        <a:buClr>
-          <a:srgbClr val="000000"/>
-        </a:buClr>
-        <a:buFont typeface="Arial"/>
-        <a:defRPr sz="1400" b="0" i="0" u="none" strike="noStrike" cap="none">
-          <a:solidFill>
-            <a:srgbClr val="000000"/>
-          </a:solidFill>
-          <a:latin typeface="Arial"/>
-          <a:ea typeface="Arial"/>
-          <a:cs typeface="Arial"/>
-          <a:sym typeface="Arial"/>
+      <a:lvl9pPr marL="3657600" algn="l" defTabSz="914400" rtl="0" eaLnBrk="1" latinLnBrk="0" hangingPunct="1">
+        <a:defRPr sz="1800" kern="1200">
+          <a:solidFill>
+            <a:schemeClr val="tx1"/>
+          </a:solidFill>
+          <a:latin typeface="+mn-lt"/>
+          <a:ea typeface="+mn-ea"/>
+          <a:cs typeface="+mn-cs"/>
         </a:defRPr>
       </a:lvl9pPr>
     </p:otherStyle>
@@ -3647,20 +3234,34 @@
       </p:grpSpPr>
       <p:sp>
         <p:nvSpPr>
+          <p:cNvPr id="2" name="Title 1"/>
+          <p:cNvSpPr>
+            <a:spLocks noGrp="1"/>
+          </p:cNvSpPr>
+          <p:nvPr>
+            <p:ph type="ctrTitle"/>
+          </p:nvPr>
+        </p:nvSpPr>
+        <p:spPr/>
+        <p:txBody>
+          <a:bodyPr/>
+          <a:lstStyle/>
+          <a:p>
+            <a:endParaRPr lang="en-US"/>
+          </a:p>
+        </p:txBody>
+      </p:sp>
+      <p:sp>
+        <p:nvSpPr>
           <p:cNvPr id="4" name="Text Placeholder 3"/>
           <p:cNvSpPr>
             <a:spLocks noGrp="1"/>
           </p:cNvSpPr>
           <p:nvPr>
-            <p:ph type="body" sz="quarter" idx="4294967295"/>
+            <p:ph type="subTitle" idx="1"/>
           </p:nvPr>
         </p:nvSpPr>
-        <p:spPr>
-          <a:xfrm>
-            <a:off x="0" y="2596551"/>
-            <a:ext cx="9144000" cy="2329132"/>
-          </a:xfrm>
-        </p:spPr>
+        <p:spPr/>
         <p:txBody>
           <a:bodyPr/>
           <a:lstStyle/>
@@ -3678,11 +3279,7 @@
             </a:r>
             <a:r>
               <a:rPr lang="en-US" dirty="0" smtClean="0"/>
-              <a:t> - john </a:t>
-            </a:r>
-            <a:r>
-              <a:rPr lang="en-US" dirty="0" smtClean="0"/>
-              <a:t>1</a:t>
+              <a:t> - john 1:2,3</a:t>
             </a:r>
             <a:endParaRPr lang="en-US" dirty="0"/>
           </a:p>
@@ -3702,54 +3299,54 @@
 </file>
 
 <file path=ppt/theme/theme1.xml><?xml version="1.0" encoding="utf-8"?>
-<a:theme xmlns:a="http://schemas.openxmlformats.org/drawingml/2006/main" name="song_theme">
+<a:theme xmlns:a="http://schemas.openxmlformats.org/drawingml/2006/main" name="title">
   <a:themeElements>
     <a:clrScheme name="Office">
       <a:dk1>
-        <a:srgbClr val="000000"/>
+        <a:sysClr val="windowText" lastClr="000000"/>
       </a:dk1>
       <a:lt1>
-        <a:srgbClr val="FFFFFF"/>
+        <a:sysClr val="window" lastClr="FFFFFF"/>
       </a:lt1>
       <a:dk2>
-        <a:srgbClr val="1F497D"/>
+        <a:srgbClr val="44546A"/>
       </a:dk2>
       <a:lt2>
-        <a:srgbClr val="EEECE1"/>
+        <a:srgbClr val="E7E6E6"/>
       </a:lt2>
       <a:accent1>
-        <a:srgbClr val="4F81BD"/>
+        <a:srgbClr val="5B9BD5"/>
       </a:accent1>
       <a:accent2>
-        <a:srgbClr val="C0504D"/>
+        <a:srgbClr val="ED7D31"/>
       </a:accent2>
       <a:accent3>
-        <a:srgbClr val="9BBB59"/>
+        <a:srgbClr val="A5A5A5"/>
       </a:accent3>
       <a:accent4>
-        <a:srgbClr val="8064A2"/>
+        <a:srgbClr val="FFC000"/>
       </a:accent4>
       <a:accent5>
-        <a:srgbClr val="4BACC6"/>
+        <a:srgbClr val="4472C4"/>
       </a:accent5>
       <a:accent6>
-        <a:srgbClr val="F79646"/>
+        <a:srgbClr val="70AD47"/>
       </a:accent6>
       <a:hlink>
-        <a:srgbClr val="0000FF"/>
+        <a:srgbClr val="0563C1"/>
       </a:hlink>
       <a:folHlink>
-        <a:srgbClr val="800080"/>
+        <a:srgbClr val="954F72"/>
       </a:folHlink>
     </a:clrScheme>
     <a:fontScheme name="Office">
       <a:majorFont>
-        <a:latin typeface="Arial"/>
+        <a:latin typeface="Calibri Light" panose="020F0302020204030204"/>
         <a:ea typeface=""/>
         <a:cs typeface=""/>
-        <a:font script="Jpan" typeface="ＭＳ Ｐゴシック"/>
+        <a:font script="Jpan" typeface="游ゴシック Light"/>
         <a:font script="Hang" typeface="맑은 고딕"/>
-        <a:font script="Hans" typeface="宋体"/>
+        <a:font script="Hans" typeface="等线 Light"/>
         <a:font script="Hant" typeface="新細明體"/>
         <a:font script="Arab" typeface="Times New Roman"/>
         <a:font script="Hebr" typeface="Times New Roman"/>
@@ -3779,12 +3376,12 @@
         <a:font script="Geor" typeface="Sylfaen"/>
       </a:majorFont>
       <a:minorFont>
-        <a:latin typeface="Arial"/>
+        <a:latin typeface="Calibri" panose="020F0502020204030204"/>
         <a:ea typeface=""/>
         <a:cs typeface=""/>
-        <a:font script="Jpan" typeface="ＭＳ Ｐゴシック"/>
+        <a:font script="Jpan" typeface="游ゴシック"/>
         <a:font script="Hang" typeface="맑은 고딕"/>
-        <a:font script="Hans" typeface="宋体"/>
+        <a:font script="Hans" typeface="等线"/>
         <a:font script="Hant" typeface="新細明體"/>
         <a:font script="Arab" typeface="Arial"/>
         <a:font script="Hebr" typeface="Arial"/>
@@ -3823,109 +3420,260 @@
           <a:gsLst>
             <a:gs pos="0">
               <a:schemeClr val="phClr">
-                <a:tint val="50000"/>
-                <a:satMod val="300000"/>
+                <a:lumMod val="110000"/>
+                <a:satMod val="105000"/>
+                <a:tint val="67000"/>
               </a:schemeClr>
             </a:gs>
-            <a:gs pos="35000">
+            <a:gs pos="50000">
               <a:schemeClr val="phClr">
-                <a:tint val="37000"/>
-                <a:satMod val="300000"/>
+                <a:lumMod val="105000"/>
+                <a:satMod val="103000"/>
+                <a:tint val="73000"/>
               </a:schemeClr>
             </a:gs>
             <a:gs pos="100000">
               <a:schemeClr val="phClr">
-                <a:tint val="15000"/>
-                <a:satMod val="350000"/>
+                <a:lumMod val="105000"/>
+                <a:satMod val="109000"/>
+                <a:tint val="81000"/>
               </a:schemeClr>
             </a:gs>
           </a:gsLst>
-          <a:lin ang="16200000" scaled="1"/>
+          <a:lin ang="5400000" scaled="0"/>
         </a:gradFill>
         <a:gradFill rotWithShape="1">
           <a:gsLst>
             <a:gs pos="0">
               <a:schemeClr val="phClr">
-                <a:tint val="100000"/>
+                <a:satMod val="103000"/>
+                <a:lumMod val="102000"/>
+                <a:tint val="94000"/>
+              </a:schemeClr>
+            </a:gs>
+            <a:gs pos="50000">
+              <a:schemeClr val="phClr">
+                <a:satMod val="110000"/>
+                <a:lumMod val="100000"/>
                 <a:shade val="100000"/>
-                <a:satMod val="130000"/>
               </a:schemeClr>
             </a:gs>
             <a:gs pos="100000">
               <a:schemeClr val="phClr">
-                <a:tint val="50000"/>
-                <a:shade val="100000"/>
-                <a:satMod val="350000"/>
+                <a:lumMod val="99000"/>
+                <a:satMod val="120000"/>
+                <a:shade val="78000"/>
               </a:schemeClr>
             </a:gs>
           </a:gsLst>
-          <a:lin ang="16200000" scaled="0"/>
+          <a:lin ang="5400000" scaled="0"/>
         </a:gradFill>
       </a:fillStyleLst>
       <a:lnStyleLst>
-        <a:ln w="9525" cap="flat" cmpd="sng" algn="ctr">
-          <a:solidFill>
-            <a:schemeClr val="phClr">
-              <a:shade val="95000"/>
-              <a:satMod val="105000"/>
-            </a:schemeClr>
+        <a:ln w="6350" cap="flat" cmpd="sng" algn="ctr">
+          <a:solidFill>
+            <a:schemeClr val="phClr"/>
           </a:solidFill>
           <a:prstDash val="solid"/>
+          <a:miter lim="800000"/>
         </a:ln>
-        <a:ln w="25400" cap="flat" cmpd="sng" algn="ctr">
+        <a:ln w="12700" cap="flat" cmpd="sng" algn="ctr">
           <a:solidFill>
             <a:schemeClr val="phClr"/>
           </a:solidFill>
           <a:prstDash val="solid"/>
+          <a:miter lim="800000"/>
         </a:ln>
-        <a:ln w="38100" cap="flat" cmpd="sng" algn="ctr">
+        <a:ln w="19050" cap="flat" cmpd="sng" algn="ctr">
           <a:solidFill>
             <a:schemeClr val="phClr"/>
           </a:solidFill>
           <a:prstDash val="solid"/>
+          <a:miter lim="800000"/>
         </a:ln>
       </a:lnStyleLst>
       <a:effectStyleLst>
         <a:effectStyle>
+          <a:effectLst/>
+        </a:effectStyle>
+        <a:effectStyle>
+          <a:effectLst/>
+        </a:effectStyle>
+        <a:effectStyle>
           <a:effectLst>
-            <a:outerShdw blurRad="40000" dist="20000" dir="5400000" rotWithShape="0">
+            <a:outerShdw blurRad="57150" dist="19050" dir="5400000" algn="ctr" rotWithShape="0">
               <a:srgbClr val="000000">
-                <a:alpha val="38000"/>
+                <a:alpha val="63000"/>
               </a:srgbClr>
             </a:outerShdw>
           </a:effectLst>
         </a:effectStyle>
-        <a:effectStyle>
-          <a:effectLst>
-            <a:outerShdw blurRad="40000" dist="23000" dir="5400000" rotWithShape="0">
-              <a:srgbClr val="000000">
-                <a:alpha val="35000"/>
-              </a:srgbClr>
-            </a:outerShdw>
-          </a:effectLst>
-        </a:effectStyle>
-        <a:effectStyle>
-          <a:effectLst>
-            <a:outerShdw blurRad="40000" dist="23000" dir="5400000" rotWithShape="0">
-              <a:srgbClr val="000000">
-                <a:alpha val="35000"/>
-              </a:srgbClr>
-            </a:outerShdw>
-          </a:effectLst>
-          <a:scene3d>
-            <a:camera prst="orthographicFront">
-              <a:rot lat="0" lon="0" rev="0"/>
-            </a:camera>
-            <a:lightRig rig="threePt" dir="t">
-              <a:rot lat="0" lon="0" rev="1200000"/>
-            </a:lightRig>
-          </a:scene3d>
-          <a:sp3d>
-            <a:bevelT w="63500" h="25400"/>
-          </a:sp3d>
-        </a:effectStyle>
       </a:effectStyleLst>
       <a:bgFillStyleLst>
+        <a:solidFill>
+          <a:schemeClr val="phClr"/>
+        </a:solidFill>
+        <a:solidFill>
+          <a:schemeClr val="phClr">
+            <a:tint val="95000"/>
+            <a:satMod val="170000"/>
+          </a:schemeClr>
+        </a:solidFill>
+        <a:gradFill rotWithShape="1">
+          <a:gsLst>
+            <a:gs pos="0">
+              <a:schemeClr val="phClr">
+                <a:tint val="93000"/>
+                <a:satMod val="150000"/>
+                <a:shade val="98000"/>
+                <a:lumMod val="102000"/>
+              </a:schemeClr>
+            </a:gs>
+            <a:gs pos="50000">
+              <a:schemeClr val="phClr">
+                <a:tint val="98000"/>
+                <a:satMod val="130000"/>
+                <a:shade val="90000"/>
+                <a:lumMod val="103000"/>
+              </a:schemeClr>
+            </a:gs>
+            <a:gs pos="100000">
+              <a:schemeClr val="phClr">
+                <a:shade val="63000"/>
+                <a:satMod val="120000"/>
+              </a:schemeClr>
+            </a:gs>
+          </a:gsLst>
+          <a:lin ang="5400000" scaled="0"/>
+        </a:gradFill>
+      </a:bgFillStyleLst>
+    </a:fmtScheme>
+  </a:themeElements>
+  <a:objectDefaults/>
+  <a:extraClrSchemeLst/>
+  <a:extLst>
+    <a:ext uri="{05A4C25C-085E-4340-85A3-A5531E510DB2}">
+      <thm15:themeFamily xmlns:thm15="http://schemas.microsoft.com/office/thememl/2012/main" name="Office Theme" id="{62F939B6-93AF-4DB8-9C6B-D6C7DFDC589F}" vid="{4A3C46E8-61CC-4603-A589-7422A47A8E4A}"/>
+    </a:ext>
+  </a:extLst>
+</a:theme>
+</file>
+
+<file path=ppt/theme/theme2.xml><?xml version="1.0" encoding="utf-8"?>
+<a:theme xmlns:a="http://schemas.openxmlformats.org/drawingml/2006/main" name="verse_cuv">
+  <a:themeElements>
+    <a:clrScheme name="Office">
+      <a:dk1>
+        <a:sysClr val="windowText" lastClr="000000"/>
+      </a:dk1>
+      <a:lt1>
+        <a:sysClr val="window" lastClr="FFFFFF"/>
+      </a:lt1>
+      <a:dk2>
+        <a:srgbClr val="44546A"/>
+      </a:dk2>
+      <a:lt2>
+        <a:srgbClr val="E7E6E6"/>
+      </a:lt2>
+      <a:accent1>
+        <a:srgbClr val="5B9BD5"/>
+      </a:accent1>
+      <a:accent2>
+        <a:srgbClr val="ED7D31"/>
+      </a:accent2>
+      <a:accent3>
+        <a:srgbClr val="A5A5A5"/>
+      </a:accent3>
+      <a:accent4>
+        <a:srgbClr val="FFC000"/>
+      </a:accent4>
+      <a:accent5>
+        <a:srgbClr val="4472C4"/>
+      </a:accent5>
+      <a:accent6>
+        <a:srgbClr val="70AD47"/>
+      </a:accent6>
+      <a:hlink>
+        <a:srgbClr val="0563C1"/>
+      </a:hlink>
+      <a:folHlink>
+        <a:srgbClr val="954F72"/>
+      </a:folHlink>
+    </a:clrScheme>
+    <a:fontScheme name="Office">
+      <a:majorFont>
+        <a:latin typeface="Calibri Light" panose="020F0302020204030204"/>
+        <a:ea typeface=""/>
+        <a:cs typeface=""/>
+        <a:font script="Jpan" typeface="游ゴシック Light"/>
+        <a:font script="Hang" typeface="맑은 고딕"/>
+        <a:font script="Hans" typeface="等线 Light"/>
+        <a:font script="Hant" typeface="新細明體"/>
+        <a:font script="Arab" typeface="Times New Roman"/>
+        <a:font script="Hebr" typeface="Times New Roman"/>
+        <a:font script="Thai" typeface="Angsana New"/>
+        <a:font script="Ethi" typeface="Nyala"/>
+        <a:font script="Beng" typeface="Vrinda"/>
+        <a:font script="Gujr" typeface="Shruti"/>
+        <a:font script="Khmr" typeface="MoolBoran"/>
+        <a:font script="Knda" typeface="Tunga"/>
+        <a:font script="Guru" typeface="Raavi"/>
+        <a:font script="Cans" typeface="Euphemia"/>
+        <a:font script="Cher" typeface="Plantagenet Cherokee"/>
+        <a:font script="Yiii" typeface="Microsoft Yi Baiti"/>
+        <a:font script="Tibt" typeface="Microsoft Himalaya"/>
+        <a:font script="Thaa" typeface="MV Boli"/>
+        <a:font script="Deva" typeface="Mangal"/>
+        <a:font script="Telu" typeface="Gautami"/>
+        <a:font script="Taml" typeface="Latha"/>
+        <a:font script="Syrc" typeface="Estrangelo Edessa"/>
+        <a:font script="Orya" typeface="Kalinga"/>
+        <a:font script="Mlym" typeface="Kartika"/>
+        <a:font script="Laoo" typeface="DokChampa"/>
+        <a:font script="Sinh" typeface="Iskoola Pota"/>
+        <a:font script="Mong" typeface="Mongolian Baiti"/>
+        <a:font script="Viet" typeface="Times New Roman"/>
+        <a:font script="Uigh" typeface="Microsoft Uighur"/>
+        <a:font script="Geor" typeface="Sylfaen"/>
+      </a:majorFont>
+      <a:minorFont>
+        <a:latin typeface="Calibri" panose="020F0502020204030204"/>
+        <a:ea typeface=""/>
+        <a:cs typeface=""/>
+        <a:font script="Jpan" typeface="游ゴシック"/>
+        <a:font script="Hang" typeface="맑은 고딕"/>
+        <a:font script="Hans" typeface="等线"/>
+        <a:font script="Hant" typeface="新細明體"/>
+        <a:font script="Arab" typeface="Arial"/>
+        <a:font script="Hebr" typeface="Arial"/>
+        <a:font script="Thai" typeface="Cordia New"/>
+        <a:font script="Ethi" typeface="Nyala"/>
+        <a:font script="Beng" typeface="Vrinda"/>
+        <a:font script="Gujr" typeface="Shruti"/>
+        <a:font script="Khmr" typeface="DaunPenh"/>
+        <a:font script="Knda" typeface="Tunga"/>
+        <a:font script="Guru" typeface="Raavi"/>
+        <a:font script="Cans" typeface="Euphemia"/>
+        <a:font script="Cher" typeface="Plantagenet Cherokee"/>
+        <a:font script="Yiii" typeface="Microsoft Yi Baiti"/>
+        <a:font script="Tibt" typeface="Microsoft Himalaya"/>
+        <a:font script="Thaa" typeface="MV Boli"/>
+        <a:font script="Deva" typeface="Mangal"/>
+        <a:font script="Telu" typeface="Gautami"/>
+        <a:font script="Taml" typeface="Latha"/>
+        <a:font script="Syrc" typeface="Estrangelo Edessa"/>
+        <a:font script="Orya" typeface="Kalinga"/>
+        <a:font script="Mlym" typeface="Kartika"/>
+        <a:font script="Laoo" typeface="DokChampa"/>
+        <a:font script="Sinh" typeface="Iskoola Pota"/>
+        <a:font script="Mong" typeface="Mongolian Baiti"/>
+        <a:font script="Viet" typeface="Arial"/>
+        <a:font script="Uigh" typeface="Microsoft Uighur"/>
+        <a:font script="Geor" typeface="Sylfaen"/>
+      </a:minorFont>
+    </a:fontScheme>
+    <a:fmtScheme name="Office">
+      <a:fillStyleLst>
         <a:solidFill>
           <a:schemeClr val="phClr"/>
         </a:solidFill>
@@ -3933,56 +3681,407 @@
           <a:gsLst>
             <a:gs pos="0">
               <a:schemeClr val="phClr">
-                <a:tint val="40000"/>
-                <a:satMod val="350000"/>
+                <a:lumMod val="110000"/>
+                <a:satMod val="105000"/>
+                <a:tint val="67000"/>
               </a:schemeClr>
             </a:gs>
-            <a:gs pos="40000">
+            <a:gs pos="50000">
               <a:schemeClr val="phClr">
-                <a:tint val="45000"/>
-                <a:shade val="99000"/>
-                <a:satMod val="350000"/>
+                <a:lumMod val="105000"/>
+                <a:satMod val="103000"/>
+                <a:tint val="73000"/>
               </a:schemeClr>
             </a:gs>
             <a:gs pos="100000">
               <a:schemeClr val="phClr">
-                <a:shade val="20000"/>
-                <a:satMod val="255000"/>
+                <a:lumMod val="105000"/>
+                <a:satMod val="109000"/>
+                <a:tint val="81000"/>
               </a:schemeClr>
             </a:gs>
           </a:gsLst>
-          <a:path path="circle">
-            <a:fillToRect l="50000" t="-80000" r="50000" b="180000"/>
-          </a:path>
+          <a:lin ang="5400000" scaled="0"/>
         </a:gradFill>
         <a:gradFill rotWithShape="1">
           <a:gsLst>
             <a:gs pos="0">
               <a:schemeClr val="phClr">
-                <a:tint val="80000"/>
-                <a:satMod val="300000"/>
+                <a:satMod val="103000"/>
+                <a:lumMod val="102000"/>
+                <a:tint val="94000"/>
+              </a:schemeClr>
+            </a:gs>
+            <a:gs pos="50000">
+              <a:schemeClr val="phClr">
+                <a:satMod val="110000"/>
+                <a:lumMod val="100000"/>
+                <a:shade val="100000"/>
               </a:schemeClr>
             </a:gs>
             <a:gs pos="100000">
               <a:schemeClr val="phClr">
-                <a:shade val="30000"/>
-                <a:satMod val="200000"/>
+                <a:lumMod val="99000"/>
+                <a:satMod val="120000"/>
+                <a:shade val="78000"/>
               </a:schemeClr>
             </a:gs>
           </a:gsLst>
-          <a:path path="circle">
-            <a:fillToRect l="50000" t="50000" r="50000" b="50000"/>
-          </a:path>
+          <a:lin ang="5400000" scaled="0"/>
+        </a:gradFill>
+      </a:fillStyleLst>
+      <a:lnStyleLst>
+        <a:ln w="6350" cap="flat" cmpd="sng" algn="ctr">
+          <a:solidFill>
+            <a:schemeClr val="phClr"/>
+          </a:solidFill>
+          <a:prstDash val="solid"/>
+          <a:miter lim="800000"/>
+        </a:ln>
+        <a:ln w="12700" cap="flat" cmpd="sng" algn="ctr">
+          <a:solidFill>
+            <a:schemeClr val="phClr"/>
+          </a:solidFill>
+          <a:prstDash val="solid"/>
+          <a:miter lim="800000"/>
+        </a:ln>
+        <a:ln w="19050" cap="flat" cmpd="sng" algn="ctr">
+          <a:solidFill>
+            <a:schemeClr val="phClr"/>
+          </a:solidFill>
+          <a:prstDash val="solid"/>
+          <a:miter lim="800000"/>
+        </a:ln>
+      </a:lnStyleLst>
+      <a:effectStyleLst>
+        <a:effectStyle>
+          <a:effectLst/>
+        </a:effectStyle>
+        <a:effectStyle>
+          <a:effectLst/>
+        </a:effectStyle>
+        <a:effectStyle>
+          <a:effectLst>
+            <a:outerShdw blurRad="57150" dist="19050" dir="5400000" algn="ctr" rotWithShape="0">
+              <a:srgbClr val="000000">
+                <a:alpha val="63000"/>
+              </a:srgbClr>
+            </a:outerShdw>
+          </a:effectLst>
+        </a:effectStyle>
+      </a:effectStyleLst>
+      <a:bgFillStyleLst>
+        <a:solidFill>
+          <a:schemeClr val="phClr"/>
+        </a:solidFill>
+        <a:solidFill>
+          <a:schemeClr val="phClr">
+            <a:tint val="95000"/>
+            <a:satMod val="170000"/>
+          </a:schemeClr>
+        </a:solidFill>
+        <a:gradFill rotWithShape="1">
+          <a:gsLst>
+            <a:gs pos="0">
+              <a:schemeClr val="phClr">
+                <a:tint val="93000"/>
+                <a:satMod val="150000"/>
+                <a:shade val="98000"/>
+                <a:lumMod val="102000"/>
+              </a:schemeClr>
+            </a:gs>
+            <a:gs pos="50000">
+              <a:schemeClr val="phClr">
+                <a:tint val="98000"/>
+                <a:satMod val="130000"/>
+                <a:shade val="90000"/>
+                <a:lumMod val="103000"/>
+              </a:schemeClr>
+            </a:gs>
+            <a:gs pos="100000">
+              <a:schemeClr val="phClr">
+                <a:shade val="63000"/>
+                <a:satMod val="120000"/>
+              </a:schemeClr>
+            </a:gs>
+          </a:gsLst>
+          <a:lin ang="5400000" scaled="0"/>
         </a:gradFill>
       </a:bgFillStyleLst>
     </a:fmtScheme>
   </a:themeElements>
   <a:objectDefaults/>
   <a:extraClrSchemeLst/>
+  <a:extLst>
+    <a:ext uri="{05A4C25C-085E-4340-85A3-A5531E510DB2}">
+      <thm15:themeFamily xmlns:thm15="http://schemas.microsoft.com/office/thememl/2012/main" name="Office Theme" id="{62F939B6-93AF-4DB8-9C6B-D6C7DFDC589F}" vid="{4A3C46E8-61CC-4603-A589-7422A47A8E4A}"/>
+    </a:ext>
+  </a:extLst>
 </a:theme>
 </file>
 
-<file path=ppt/theme/theme2.xml><?xml version="1.0" encoding="utf-8"?>
+<file path=ppt/theme/theme3.xml><?xml version="1.0" encoding="utf-8"?>
+<a:theme xmlns:a="http://schemas.openxmlformats.org/drawingml/2006/main" name="verse_niv">
+  <a:themeElements>
+    <a:clrScheme name="Office">
+      <a:dk1>
+        <a:sysClr val="windowText" lastClr="000000"/>
+      </a:dk1>
+      <a:lt1>
+        <a:sysClr val="window" lastClr="FFFFFF"/>
+      </a:lt1>
+      <a:dk2>
+        <a:srgbClr val="44546A"/>
+      </a:dk2>
+      <a:lt2>
+        <a:srgbClr val="E7E6E6"/>
+      </a:lt2>
+      <a:accent1>
+        <a:srgbClr val="5B9BD5"/>
+      </a:accent1>
+      <a:accent2>
+        <a:srgbClr val="ED7D31"/>
+      </a:accent2>
+      <a:accent3>
+        <a:srgbClr val="A5A5A5"/>
+      </a:accent3>
+      <a:accent4>
+        <a:srgbClr val="FFC000"/>
+      </a:accent4>
+      <a:accent5>
+        <a:srgbClr val="4472C4"/>
+      </a:accent5>
+      <a:accent6>
+        <a:srgbClr val="70AD47"/>
+      </a:accent6>
+      <a:hlink>
+        <a:srgbClr val="0563C1"/>
+      </a:hlink>
+      <a:folHlink>
+        <a:srgbClr val="954F72"/>
+      </a:folHlink>
+    </a:clrScheme>
+    <a:fontScheme name="Office">
+      <a:majorFont>
+        <a:latin typeface="Calibri Light" panose="020F0302020204030204"/>
+        <a:ea typeface=""/>
+        <a:cs typeface=""/>
+        <a:font script="Jpan" typeface="游ゴシック Light"/>
+        <a:font script="Hang" typeface="맑은 고딕"/>
+        <a:font script="Hans" typeface="等线 Light"/>
+        <a:font script="Hant" typeface="新細明體"/>
+        <a:font script="Arab" typeface="Times New Roman"/>
+        <a:font script="Hebr" typeface="Times New Roman"/>
+        <a:font script="Thai" typeface="Angsana New"/>
+        <a:font script="Ethi" typeface="Nyala"/>
+        <a:font script="Beng" typeface="Vrinda"/>
+        <a:font script="Gujr" typeface="Shruti"/>
+        <a:font script="Khmr" typeface="MoolBoran"/>
+        <a:font script="Knda" typeface="Tunga"/>
+        <a:font script="Guru" typeface="Raavi"/>
+        <a:font script="Cans" typeface="Euphemia"/>
+        <a:font script="Cher" typeface="Plantagenet Cherokee"/>
+        <a:font script="Yiii" typeface="Microsoft Yi Baiti"/>
+        <a:font script="Tibt" typeface="Microsoft Himalaya"/>
+        <a:font script="Thaa" typeface="MV Boli"/>
+        <a:font script="Deva" typeface="Mangal"/>
+        <a:font script="Telu" typeface="Gautami"/>
+        <a:font script="Taml" typeface="Latha"/>
+        <a:font script="Syrc" typeface="Estrangelo Edessa"/>
+        <a:font script="Orya" typeface="Kalinga"/>
+        <a:font script="Mlym" typeface="Kartika"/>
+        <a:font script="Laoo" typeface="DokChampa"/>
+        <a:font script="Sinh" typeface="Iskoola Pota"/>
+        <a:font script="Mong" typeface="Mongolian Baiti"/>
+        <a:font script="Viet" typeface="Times New Roman"/>
+        <a:font script="Uigh" typeface="Microsoft Uighur"/>
+        <a:font script="Geor" typeface="Sylfaen"/>
+      </a:majorFont>
+      <a:minorFont>
+        <a:latin typeface="Calibri" panose="020F0502020204030204"/>
+        <a:ea typeface=""/>
+        <a:cs typeface=""/>
+        <a:font script="Jpan" typeface="游ゴシック"/>
+        <a:font script="Hang" typeface="맑은 고딕"/>
+        <a:font script="Hans" typeface="等线"/>
+        <a:font script="Hant" typeface="新細明體"/>
+        <a:font script="Arab" typeface="Arial"/>
+        <a:font script="Hebr" typeface="Arial"/>
+        <a:font script="Thai" typeface="Cordia New"/>
+        <a:font script="Ethi" typeface="Nyala"/>
+        <a:font script="Beng" typeface="Vrinda"/>
+        <a:font script="Gujr" typeface="Shruti"/>
+        <a:font script="Khmr" typeface="DaunPenh"/>
+        <a:font script="Knda" typeface="Tunga"/>
+        <a:font script="Guru" typeface="Raavi"/>
+        <a:font script="Cans" typeface="Euphemia"/>
+        <a:font script="Cher" typeface="Plantagenet Cherokee"/>
+        <a:font script="Yiii" typeface="Microsoft Yi Baiti"/>
+        <a:font script="Tibt" typeface="Microsoft Himalaya"/>
+        <a:font script="Thaa" typeface="MV Boli"/>
+        <a:font script="Deva" typeface="Mangal"/>
+        <a:font script="Telu" typeface="Gautami"/>
+        <a:font script="Taml" typeface="Latha"/>
+        <a:font script="Syrc" typeface="Estrangelo Edessa"/>
+        <a:font script="Orya" typeface="Kalinga"/>
+        <a:font script="Mlym" typeface="Kartika"/>
+        <a:font script="Laoo" typeface="DokChampa"/>
+        <a:font script="Sinh" typeface="Iskoola Pota"/>
+        <a:font script="Mong" typeface="Mongolian Baiti"/>
+        <a:font script="Viet" typeface="Arial"/>
+        <a:font script="Uigh" typeface="Microsoft Uighur"/>
+        <a:font script="Geor" typeface="Sylfaen"/>
+      </a:minorFont>
+    </a:fontScheme>
+    <a:fmtScheme name="Office">
+      <a:fillStyleLst>
+        <a:solidFill>
+          <a:schemeClr val="phClr"/>
+        </a:solidFill>
+        <a:gradFill rotWithShape="1">
+          <a:gsLst>
+            <a:gs pos="0">
+              <a:schemeClr val="phClr">
+                <a:lumMod val="110000"/>
+                <a:satMod val="105000"/>
+                <a:tint val="67000"/>
+              </a:schemeClr>
+            </a:gs>
+            <a:gs pos="50000">
+              <a:schemeClr val="phClr">
+                <a:lumMod val="105000"/>
+                <a:satMod val="103000"/>
+                <a:tint val="73000"/>
+              </a:schemeClr>
+            </a:gs>
+            <a:gs pos="100000">
+              <a:schemeClr val="phClr">
+                <a:lumMod val="105000"/>
+                <a:satMod val="109000"/>
+                <a:tint val="81000"/>
+              </a:schemeClr>
+            </a:gs>
+          </a:gsLst>
+          <a:lin ang="5400000" scaled="0"/>
+        </a:gradFill>
+        <a:gradFill rotWithShape="1">
+          <a:gsLst>
+            <a:gs pos="0">
+              <a:schemeClr val="phClr">
+                <a:satMod val="103000"/>
+                <a:lumMod val="102000"/>
+                <a:tint val="94000"/>
+              </a:schemeClr>
+            </a:gs>
+            <a:gs pos="50000">
+              <a:schemeClr val="phClr">
+                <a:satMod val="110000"/>
+                <a:lumMod val="100000"/>
+                <a:shade val="100000"/>
+              </a:schemeClr>
+            </a:gs>
+            <a:gs pos="100000">
+              <a:schemeClr val="phClr">
+                <a:lumMod val="99000"/>
+                <a:satMod val="120000"/>
+                <a:shade val="78000"/>
+              </a:schemeClr>
+            </a:gs>
+          </a:gsLst>
+          <a:lin ang="5400000" scaled="0"/>
+        </a:gradFill>
+      </a:fillStyleLst>
+      <a:lnStyleLst>
+        <a:ln w="6350" cap="flat" cmpd="sng" algn="ctr">
+          <a:solidFill>
+            <a:schemeClr val="phClr"/>
+          </a:solidFill>
+          <a:prstDash val="solid"/>
+          <a:miter lim="800000"/>
+        </a:ln>
+        <a:ln w="12700" cap="flat" cmpd="sng" algn="ctr">
+          <a:solidFill>
+            <a:schemeClr val="phClr"/>
+          </a:solidFill>
+          <a:prstDash val="solid"/>
+          <a:miter lim="800000"/>
+        </a:ln>
+        <a:ln w="19050" cap="flat" cmpd="sng" algn="ctr">
+          <a:solidFill>
+            <a:schemeClr val="phClr"/>
+          </a:solidFill>
+          <a:prstDash val="solid"/>
+          <a:miter lim="800000"/>
+        </a:ln>
+      </a:lnStyleLst>
+      <a:effectStyleLst>
+        <a:effectStyle>
+          <a:effectLst/>
+        </a:effectStyle>
+        <a:effectStyle>
+          <a:effectLst/>
+        </a:effectStyle>
+        <a:effectStyle>
+          <a:effectLst>
+            <a:outerShdw blurRad="57150" dist="19050" dir="5400000" algn="ctr" rotWithShape="0">
+              <a:srgbClr val="000000">
+                <a:alpha val="63000"/>
+              </a:srgbClr>
+            </a:outerShdw>
+          </a:effectLst>
+        </a:effectStyle>
+      </a:effectStyleLst>
+      <a:bgFillStyleLst>
+        <a:solidFill>
+          <a:schemeClr val="phClr"/>
+        </a:solidFill>
+        <a:solidFill>
+          <a:schemeClr val="phClr">
+            <a:tint val="95000"/>
+            <a:satMod val="170000"/>
+          </a:schemeClr>
+        </a:solidFill>
+        <a:gradFill rotWithShape="1">
+          <a:gsLst>
+            <a:gs pos="0">
+              <a:schemeClr val="phClr">
+                <a:tint val="93000"/>
+                <a:satMod val="150000"/>
+                <a:shade val="98000"/>
+                <a:lumMod val="102000"/>
+              </a:schemeClr>
+            </a:gs>
+            <a:gs pos="50000">
+              <a:schemeClr val="phClr">
+                <a:tint val="98000"/>
+                <a:satMod val="130000"/>
+                <a:shade val="90000"/>
+                <a:lumMod val="103000"/>
+              </a:schemeClr>
+            </a:gs>
+            <a:gs pos="100000">
+              <a:schemeClr val="phClr">
+                <a:shade val="63000"/>
+                <a:satMod val="120000"/>
+              </a:schemeClr>
+            </a:gs>
+          </a:gsLst>
+          <a:lin ang="5400000" scaled="0"/>
+        </a:gradFill>
+      </a:bgFillStyleLst>
+    </a:fmtScheme>
+  </a:themeElements>
+  <a:objectDefaults/>
+  <a:extraClrSchemeLst/>
+  <a:extLst>
+    <a:ext uri="{05A4C25C-085E-4340-85A3-A5531E510DB2}">
+      <thm15:themeFamily xmlns:thm15="http://schemas.microsoft.com/office/thememl/2012/main" name="Office Theme" id="{62F939B6-93AF-4DB8-9C6B-D6C7DFDC589F}" vid="{4A3C46E8-61CC-4603-A589-7422A47A8E4A}"/>
+    </a:ext>
+  </a:extLst>
+</a:theme>
+</file>
+
+<file path=ppt/theme/theme4.xml><?xml version="1.0" encoding="utf-8"?>
 <a:theme xmlns:a="http://schemas.openxmlformats.org/drawingml/2006/main" name="Office 佈景主題">
   <a:themeElements>
     <a:clrScheme name="Office">
